--- a/Dynamic Deliveries.pptx
+++ b/Dynamic Deliveries.pptx
@@ -2,16 +2,16 @@
 <file path=ppt/presentation.xml><?xml version="1.0" encoding="utf-8"?>
 <p:presentation xmlns:a="http://schemas.openxmlformats.org/drawingml/2006/main" xmlns:r="http://schemas.openxmlformats.org/officeDocument/2006/relationships" xmlns:p="http://schemas.openxmlformats.org/presentationml/2006/main" saveSubsetFonts="1">
   <p:sldMasterIdLst>
-    <p:sldMasterId id="2147483648" r:id="rId1"/>
+    <p:sldMasterId id="2147483730" r:id="rId1"/>
   </p:sldMasterIdLst>
   <p:sldIdLst>
     <p:sldId id="256" r:id="rId2"/>
     <p:sldId id="257" r:id="rId3"/>
     <p:sldId id="258" r:id="rId4"/>
-    <p:sldId id="259" r:id="rId5"/>
-    <p:sldId id="260" r:id="rId6"/>
-    <p:sldId id="261" r:id="rId7"/>
-    <p:sldId id="262" r:id="rId8"/>
+    <p:sldId id="261" r:id="rId5"/>
+    <p:sldId id="259" r:id="rId6"/>
+    <p:sldId id="262" r:id="rId7"/>
+    <p:sldId id="260" r:id="rId8"/>
     <p:sldId id="263" r:id="rId9"/>
     <p:sldId id="264" r:id="rId10"/>
     <p:sldId id="265" r:id="rId11"/>
@@ -25,6 +25,7 @@
     <p:sldId id="273" r:id="rId19"/>
     <p:sldId id="275" r:id="rId20"/>
     <p:sldId id="274" r:id="rId21"/>
+    <p:sldId id="277" r:id="rId22"/>
   </p:sldIdLst>
   <p:sldSz cx="12192000" cy="6858000"/>
   <p:notesSz cx="6858000" cy="9144000"/>
@@ -123,11 +124,16 @@
       </a:defRPr>
     </a:lvl9pPr>
   </p:defaultTextStyle>
+  <p:extLst>
+    <p:ext uri="{EFAFB233-063F-42B5-8137-9DF3F51BA10A}">
+      <p15:sldGuideLst xmlns:p15="http://schemas.microsoft.com/office/powerpoint/2012/main"/>
+    </p:ext>
+  </p:extLst>
 </p:presentation>
 </file>
 
 <file path=ppt/slideLayouts/slideLayout1.xml><?xml version="1.0" encoding="utf-8"?>
-<p:sldLayout xmlns:a="http://schemas.openxmlformats.org/drawingml/2006/main" xmlns:r="http://schemas.openxmlformats.org/officeDocument/2006/relationships" xmlns:p="http://schemas.openxmlformats.org/presentationml/2006/main" type="title" preserve="1">
+<p:sldLayout xmlns:a="http://schemas.openxmlformats.org/drawingml/2006/main" xmlns:r="http://schemas.openxmlformats.org/officeDocument/2006/relationships" xmlns:p="http://schemas.openxmlformats.org/presentationml/2006/main" showMasterSp="0" type="title" preserve="1">
   <p:cSld name="Title Slide">
     <p:spTree>
       <p:nvGrpSpPr>
@@ -145,6 +151,82 @@
       </p:grpSpPr>
       <p:sp>
         <p:nvSpPr>
+          <p:cNvPr id="7" name="Rectangle 6"/>
+          <p:cNvSpPr/>
+          <p:nvPr/>
+        </p:nvSpPr>
+        <p:spPr>
+          <a:xfrm>
+            <a:off x="1" y="6400800"/>
+            <a:ext cx="12192000" cy="457200"/>
+          </a:xfrm>
+          <a:prstGeom prst="rect">
+            <a:avLst/>
+          </a:prstGeom>
+          <a:solidFill>
+            <a:schemeClr val="accent2"/>
+          </a:solidFill>
+          <a:ln>
+            <a:noFill/>
+          </a:ln>
+        </p:spPr>
+        <p:style>
+          <a:lnRef idx="2">
+            <a:schemeClr val="accent1">
+              <a:shade val="50000"/>
+            </a:schemeClr>
+          </a:lnRef>
+          <a:fillRef idx="1">
+            <a:schemeClr val="accent1"/>
+          </a:fillRef>
+          <a:effectRef idx="0">
+            <a:schemeClr val="accent1"/>
+          </a:effectRef>
+          <a:fontRef idx="minor">
+            <a:schemeClr val="lt1"/>
+          </a:fontRef>
+        </p:style>
+      </p:sp>
+      <p:sp>
+        <p:nvSpPr>
+          <p:cNvPr id="8" name="Rectangle 7"/>
+          <p:cNvSpPr/>
+          <p:nvPr/>
+        </p:nvSpPr>
+        <p:spPr>
+          <a:xfrm>
+            <a:off x="1" y="6334316"/>
+            <a:ext cx="12192000" cy="66484"/>
+          </a:xfrm>
+          <a:prstGeom prst="rect">
+            <a:avLst/>
+          </a:prstGeom>
+          <a:solidFill>
+            <a:schemeClr val="accent1"/>
+          </a:solidFill>
+          <a:ln>
+            <a:noFill/>
+          </a:ln>
+        </p:spPr>
+        <p:style>
+          <a:lnRef idx="2">
+            <a:schemeClr val="accent1">
+              <a:shade val="50000"/>
+            </a:schemeClr>
+          </a:lnRef>
+          <a:fillRef idx="1">
+            <a:schemeClr val="accent1"/>
+          </a:fillRef>
+          <a:effectRef idx="0">
+            <a:schemeClr val="accent1"/>
+          </a:effectRef>
+          <a:fontRef idx="minor">
+            <a:schemeClr val="lt1"/>
+          </a:fontRef>
+        </p:style>
+      </p:sp>
+      <p:sp>
+        <p:nvSpPr>
           <p:cNvPr id="2" name="Title 1"/>
           <p:cNvSpPr>
             <a:spLocks noGrp="1"/>
@@ -155,15 +237,27 @@
         </p:nvSpPr>
         <p:spPr>
           <a:xfrm>
-            <a:off x="1524000" y="1122363"/>
-            <a:ext cx="9144000" cy="2387600"/>
-          </a:xfrm>
-        </p:spPr>
-        <p:txBody>
-          <a:bodyPr anchor="b"/>
+            <a:off x="1097280" y="758952"/>
+            <a:ext cx="10058400" cy="3566160"/>
+          </a:xfrm>
+        </p:spPr>
+        <p:txBody>
+          <a:bodyPr anchor="b">
+            <a:normAutofit/>
+          </a:bodyPr>
           <a:lstStyle>
-            <a:lvl1pPr algn="ctr">
-              <a:defRPr sz="6000"/>
+            <a:lvl1pPr algn="l">
+              <a:lnSpc>
+                <a:spcPct val="85000"/>
+              </a:lnSpc>
+              <a:defRPr sz="8000" spc="-50" baseline="0">
+                <a:solidFill>
+                  <a:schemeClr val="tx1">
+                    <a:lumMod val="85000"/>
+                    <a:lumOff val="15000"/>
+                  </a:schemeClr>
+                </a:solidFill>
+              </a:defRPr>
             </a:lvl1pPr>
           </a:lstStyle>
           <a:p>
@@ -171,7 +265,7 @@
               <a:rPr lang="en-US" smtClean="0"/>
               <a:t>Click to edit Master title style</a:t>
             </a:r>
-            <a:endParaRPr lang="en-US"/>
+            <a:endParaRPr lang="en-US" dirty="0"/>
           </a:p>
         </p:txBody>
       </p:sp>
@@ -187,48 +281,55 @@
         </p:nvSpPr>
         <p:spPr>
           <a:xfrm>
-            <a:off x="1524000" y="3602038"/>
-            <a:ext cx="9144000" cy="1655762"/>
-          </a:xfrm>
-        </p:spPr>
-        <p:txBody>
-          <a:bodyPr/>
+            <a:off x="1100051" y="4455621"/>
+            <a:ext cx="10058400" cy="1143000"/>
+          </a:xfrm>
+        </p:spPr>
+        <p:txBody>
+          <a:bodyPr lIns="91440" rIns="91440">
+            <a:normAutofit/>
+          </a:bodyPr>
           <a:lstStyle>
-            <a:lvl1pPr marL="0" indent="0" algn="ctr">
-              <a:buNone/>
-              <a:defRPr sz="2400"/>
+            <a:lvl1pPr marL="0" indent="0" algn="l">
+              <a:buNone/>
+              <a:defRPr sz="2400" cap="all" spc="200" baseline="0">
+                <a:solidFill>
+                  <a:schemeClr val="tx2"/>
+                </a:solidFill>
+                <a:latin typeface="+mj-lt"/>
+              </a:defRPr>
             </a:lvl1pPr>
             <a:lvl2pPr marL="457200" indent="0" algn="ctr">
               <a:buNone/>
-              <a:defRPr sz="2000"/>
+              <a:defRPr sz="2400"/>
             </a:lvl2pPr>
             <a:lvl3pPr marL="914400" indent="0" algn="ctr">
               <a:buNone/>
-              <a:defRPr sz="1800"/>
+              <a:defRPr sz="2400"/>
             </a:lvl3pPr>
             <a:lvl4pPr marL="1371600" indent="0" algn="ctr">
               <a:buNone/>
-              <a:defRPr sz="1600"/>
+              <a:defRPr sz="2000"/>
             </a:lvl4pPr>
             <a:lvl5pPr marL="1828800" indent="0" algn="ctr">
               <a:buNone/>
-              <a:defRPr sz="1600"/>
+              <a:defRPr sz="2000"/>
             </a:lvl5pPr>
             <a:lvl6pPr marL="2286000" indent="0" algn="ctr">
               <a:buNone/>
-              <a:defRPr sz="1600"/>
+              <a:defRPr sz="2000"/>
             </a:lvl6pPr>
             <a:lvl7pPr marL="2743200" indent="0" algn="ctr">
               <a:buNone/>
-              <a:defRPr sz="1600"/>
+              <a:defRPr sz="2000"/>
             </a:lvl7pPr>
             <a:lvl8pPr marL="3200400" indent="0" algn="ctr">
               <a:buNone/>
-              <a:defRPr sz="1600"/>
+              <a:defRPr sz="2000"/>
             </a:lvl8pPr>
             <a:lvl9pPr marL="3657600" indent="0" algn="ctr">
               <a:buNone/>
-              <a:defRPr sz="1600"/>
+              <a:defRPr sz="2000"/>
             </a:lvl9pPr>
           </a:lstStyle>
           <a:p>
@@ -236,7 +337,7 @@
               <a:rPr lang="en-US" smtClean="0"/>
               <a:t>Click to edit Master subtitle style</a:t>
             </a:r>
-            <a:endParaRPr lang="en-US"/>
+            <a:endParaRPr lang="en-US" dirty="0"/>
           </a:p>
         </p:txBody>
       </p:sp>
@@ -257,7 +358,7 @@
           <a:p>
             <a:fld id="{91025132-E6C1-46E6-8173-FBEEFA965F72}" type="datetimeFigureOut">
               <a:rPr lang="en-US" smtClean="0"/>
-              <a:t>2/10/2018</a:t>
+              <a:t>2/12/2018</a:t>
             </a:fld>
             <a:endParaRPr lang="en-US"/>
           </a:p>
@@ -305,10 +406,48 @@
           </a:p>
         </p:txBody>
       </p:sp>
+      <p:cxnSp>
+        <p:nvCxnSpPr>
+          <p:cNvPr id="9" name="Straight Connector 8"/>
+          <p:cNvCxnSpPr/>
+          <p:nvPr/>
+        </p:nvCxnSpPr>
+        <p:spPr>
+          <a:xfrm>
+            <a:off x="1207658" y="4343400"/>
+            <a:ext cx="9875520" cy="0"/>
+          </a:xfrm>
+          <a:prstGeom prst="line">
+            <a:avLst/>
+          </a:prstGeom>
+          <a:ln w="6350">
+            <a:solidFill>
+              <a:schemeClr val="tx1">
+                <a:lumMod val="50000"/>
+                <a:lumOff val="50000"/>
+              </a:schemeClr>
+            </a:solidFill>
+          </a:ln>
+        </p:spPr>
+        <p:style>
+          <a:lnRef idx="1">
+            <a:schemeClr val="accent1"/>
+          </a:lnRef>
+          <a:fillRef idx="0">
+            <a:schemeClr val="accent1"/>
+          </a:fillRef>
+          <a:effectRef idx="0">
+            <a:schemeClr val="accent1"/>
+          </a:effectRef>
+          <a:fontRef idx="minor">
+            <a:schemeClr val="tx1"/>
+          </a:fontRef>
+        </p:style>
+      </p:cxnSp>
     </p:spTree>
     <p:extLst>
       <p:ext uri="{BB962C8B-B14F-4D97-AF65-F5344CB8AC3E}">
-        <p14:creationId xmlns:p14="http://schemas.microsoft.com/office/powerpoint/2010/main" val="439559366"/>
+        <p14:creationId xmlns:p14="http://schemas.microsoft.com/office/powerpoint/2010/main" val="21714409"/>
       </p:ext>
     </p:extLst>
   </p:cSld>
@@ -354,7 +493,7 @@
               <a:rPr lang="en-US" smtClean="0"/>
               <a:t>Click to edit Master title style</a:t>
             </a:r>
-            <a:endParaRPr lang="en-US"/>
+            <a:endParaRPr lang="en-US" dirty="0"/>
           </a:p>
         </p:txBody>
       </p:sp>
@@ -370,7 +509,7 @@
         </p:nvSpPr>
         <p:spPr/>
         <p:txBody>
-          <a:bodyPr vert="eaVert"/>
+          <a:bodyPr vert="eaVert" lIns="45720" tIns="0" rIns="45720" bIns="0"/>
           <a:lstStyle/>
           <a:p>
             <a:pPr lvl="0"/>
@@ -406,7 +545,7 @@
               <a:rPr lang="en-US" smtClean="0"/>
               <a:t>Fifth level</a:t>
             </a:r>
-            <a:endParaRPr lang="en-US"/>
+            <a:endParaRPr lang="en-US" dirty="0"/>
           </a:p>
         </p:txBody>
       </p:sp>
@@ -427,7 +566,7 @@
           <a:p>
             <a:fld id="{91025132-E6C1-46E6-8173-FBEEFA965F72}" type="datetimeFigureOut">
               <a:rPr lang="en-US" smtClean="0"/>
-              <a:t>2/10/2018</a:t>
+              <a:t>2/12/2018</a:t>
             </a:fld>
             <a:endParaRPr lang="en-US"/>
           </a:p>
@@ -478,7 +617,7 @@
     </p:spTree>
     <p:extLst>
       <p:ext uri="{BB962C8B-B14F-4D97-AF65-F5344CB8AC3E}">
-        <p14:creationId xmlns:p14="http://schemas.microsoft.com/office/powerpoint/2010/main" val="2225774511"/>
+        <p14:creationId xmlns:p14="http://schemas.microsoft.com/office/powerpoint/2010/main" val="1253623047"/>
       </p:ext>
     </p:extLst>
   </p:cSld>
@@ -489,7 +628,7 @@
 </file>
 
 <file path=ppt/slideLayouts/slideLayout11.xml><?xml version="1.0" encoding="utf-8"?>
-<p:sldLayout xmlns:a="http://schemas.openxmlformats.org/drawingml/2006/main" xmlns:r="http://schemas.openxmlformats.org/officeDocument/2006/relationships" xmlns:p="http://schemas.openxmlformats.org/presentationml/2006/main" type="vertTitleAndTx" preserve="1">
+<p:sldLayout xmlns:a="http://schemas.openxmlformats.org/drawingml/2006/main" xmlns:r="http://schemas.openxmlformats.org/officeDocument/2006/relationships" xmlns:p="http://schemas.openxmlformats.org/presentationml/2006/main" showMasterSp="0" type="vertTitleAndTx" preserve="1">
   <p:cSld name="Vertical Title and Text">
     <p:spTree>
       <p:nvGrpSpPr>
@@ -507,6 +646,82 @@
       </p:grpSpPr>
       <p:sp>
         <p:nvSpPr>
+          <p:cNvPr id="7" name="Rectangle 6"/>
+          <p:cNvSpPr/>
+          <p:nvPr/>
+        </p:nvSpPr>
+        <p:spPr>
+          <a:xfrm>
+            <a:off x="3175" y="6400800"/>
+            <a:ext cx="12188825" cy="457200"/>
+          </a:xfrm>
+          <a:prstGeom prst="rect">
+            <a:avLst/>
+          </a:prstGeom>
+          <a:solidFill>
+            <a:schemeClr val="accent2"/>
+          </a:solidFill>
+          <a:ln>
+            <a:noFill/>
+          </a:ln>
+        </p:spPr>
+        <p:style>
+          <a:lnRef idx="2">
+            <a:schemeClr val="accent1">
+              <a:shade val="50000"/>
+            </a:schemeClr>
+          </a:lnRef>
+          <a:fillRef idx="1">
+            <a:schemeClr val="accent1"/>
+          </a:fillRef>
+          <a:effectRef idx="0">
+            <a:schemeClr val="accent1"/>
+          </a:effectRef>
+          <a:fontRef idx="minor">
+            <a:schemeClr val="lt1"/>
+          </a:fontRef>
+        </p:style>
+      </p:sp>
+      <p:sp>
+        <p:nvSpPr>
+          <p:cNvPr id="8" name="Rectangle 7"/>
+          <p:cNvSpPr/>
+          <p:nvPr/>
+        </p:nvSpPr>
+        <p:spPr>
+          <a:xfrm>
+            <a:off x="15" y="6334316"/>
+            <a:ext cx="12188825" cy="64008"/>
+          </a:xfrm>
+          <a:prstGeom prst="rect">
+            <a:avLst/>
+          </a:prstGeom>
+          <a:solidFill>
+            <a:schemeClr val="accent1"/>
+          </a:solidFill>
+          <a:ln>
+            <a:noFill/>
+          </a:ln>
+        </p:spPr>
+        <p:style>
+          <a:lnRef idx="2">
+            <a:schemeClr val="accent1">
+              <a:shade val="50000"/>
+            </a:schemeClr>
+          </a:lnRef>
+          <a:fillRef idx="1">
+            <a:schemeClr val="accent1"/>
+          </a:fillRef>
+          <a:effectRef idx="0">
+            <a:schemeClr val="accent1"/>
+          </a:effectRef>
+          <a:fontRef idx="minor">
+            <a:schemeClr val="lt1"/>
+          </a:fontRef>
+        </p:style>
+      </p:sp>
+      <p:sp>
+        <p:nvSpPr>
           <p:cNvPr id="2" name="Vertical Title 1"/>
           <p:cNvSpPr>
             <a:spLocks noGrp="1"/>
@@ -517,8 +732,8 @@
         </p:nvSpPr>
         <p:spPr>
           <a:xfrm>
-            <a:off x="8724900" y="365125"/>
-            <a:ext cx="2628900" cy="5811838"/>
+            <a:off x="8724900" y="412302"/>
+            <a:ext cx="2628900" cy="5759898"/>
           </a:xfrm>
         </p:spPr>
         <p:txBody>
@@ -529,7 +744,7 @@
               <a:rPr lang="en-US" smtClean="0"/>
               <a:t>Click to edit Master title style</a:t>
             </a:r>
-            <a:endParaRPr lang="en-US"/>
+            <a:endParaRPr lang="en-US" dirty="0"/>
           </a:p>
         </p:txBody>
       </p:sp>
@@ -545,12 +760,12 @@
         </p:nvSpPr>
         <p:spPr>
           <a:xfrm>
-            <a:off x="838200" y="365125"/>
-            <a:ext cx="7734300" cy="5811838"/>
-          </a:xfrm>
-        </p:spPr>
-        <p:txBody>
-          <a:bodyPr vert="eaVert"/>
+            <a:off x="838200" y="412302"/>
+            <a:ext cx="7734300" cy="5759898"/>
+          </a:xfrm>
+        </p:spPr>
+        <p:txBody>
+          <a:bodyPr vert="eaVert" lIns="45720" tIns="0" rIns="45720" bIns="0"/>
           <a:lstStyle/>
           <a:p>
             <a:pPr lvl="0"/>
@@ -586,7 +801,7 @@
               <a:rPr lang="en-US" smtClean="0"/>
               <a:t>Fifth level</a:t>
             </a:r>
-            <a:endParaRPr lang="en-US"/>
+            <a:endParaRPr lang="en-US" dirty="0"/>
           </a:p>
         </p:txBody>
       </p:sp>
@@ -607,7 +822,7 @@
           <a:p>
             <a:fld id="{91025132-E6C1-46E6-8173-FBEEFA965F72}" type="datetimeFigureOut">
               <a:rPr lang="en-US" smtClean="0"/>
-              <a:t>2/10/2018</a:t>
+              <a:t>2/12/2018</a:t>
             </a:fld>
             <a:endParaRPr lang="en-US"/>
           </a:p>
@@ -658,7 +873,7 @@
     </p:spTree>
     <p:extLst>
       <p:ext uri="{BB962C8B-B14F-4D97-AF65-F5344CB8AC3E}">
-        <p14:creationId xmlns:p14="http://schemas.microsoft.com/office/powerpoint/2010/main" val="611110900"/>
+        <p14:creationId xmlns:p14="http://schemas.microsoft.com/office/powerpoint/2010/main" val="3635860776"/>
       </p:ext>
     </p:extLst>
   </p:cSld>
@@ -704,7 +919,7 @@
               <a:rPr lang="en-US" smtClean="0"/>
               <a:t>Click to edit Master title style</a:t>
             </a:r>
-            <a:endParaRPr lang="en-US"/>
+            <a:endParaRPr lang="en-US" dirty="0"/>
           </a:p>
         </p:txBody>
       </p:sp>
@@ -756,7 +971,7 @@
               <a:rPr lang="en-US" smtClean="0"/>
               <a:t>Fifth level</a:t>
             </a:r>
-            <a:endParaRPr lang="en-US"/>
+            <a:endParaRPr lang="en-US" dirty="0"/>
           </a:p>
         </p:txBody>
       </p:sp>
@@ -777,7 +992,7 @@
           <a:p>
             <a:fld id="{91025132-E6C1-46E6-8173-FBEEFA965F72}" type="datetimeFigureOut">
               <a:rPr lang="en-US" smtClean="0"/>
-              <a:t>2/10/2018</a:t>
+              <a:t>2/12/2018</a:t>
             </a:fld>
             <a:endParaRPr lang="en-US"/>
           </a:p>
@@ -828,7 +1043,7 @@
     </p:spTree>
     <p:extLst>
       <p:ext uri="{BB962C8B-B14F-4D97-AF65-F5344CB8AC3E}">
-        <p14:creationId xmlns:p14="http://schemas.microsoft.com/office/powerpoint/2010/main" val="4236588252"/>
+        <p14:creationId xmlns:p14="http://schemas.microsoft.com/office/powerpoint/2010/main" val="1335290795"/>
       </p:ext>
     </p:extLst>
   </p:cSld>
@@ -839,8 +1054,16 @@
 </file>
 
 <file path=ppt/slideLayouts/slideLayout3.xml><?xml version="1.0" encoding="utf-8"?>
-<p:sldLayout xmlns:a="http://schemas.openxmlformats.org/drawingml/2006/main" xmlns:r="http://schemas.openxmlformats.org/officeDocument/2006/relationships" xmlns:p="http://schemas.openxmlformats.org/presentationml/2006/main" type="secHead" preserve="1">
+<p:sldLayout xmlns:a="http://schemas.openxmlformats.org/drawingml/2006/main" xmlns:r="http://schemas.openxmlformats.org/officeDocument/2006/relationships" xmlns:p="http://schemas.openxmlformats.org/presentationml/2006/main" showMasterSp="0" type="secHead" preserve="1">
   <p:cSld name="Section Header">
+    <p:bg>
+      <p:bgPr>
+        <a:solidFill>
+          <a:schemeClr val="bg1"/>
+        </a:solidFill>
+        <a:effectLst/>
+      </p:bgPr>
+    </p:bg>
     <p:spTree>
       <p:nvGrpSpPr>
         <p:cNvPr id="1" name=""/>
@@ -857,6 +1080,82 @@
       </p:grpSpPr>
       <p:sp>
         <p:nvSpPr>
+          <p:cNvPr id="7" name="Rectangle 6"/>
+          <p:cNvSpPr/>
+          <p:nvPr/>
+        </p:nvSpPr>
+        <p:spPr>
+          <a:xfrm>
+            <a:off x="3175" y="6400800"/>
+            <a:ext cx="12188825" cy="457200"/>
+          </a:xfrm>
+          <a:prstGeom prst="rect">
+            <a:avLst/>
+          </a:prstGeom>
+          <a:solidFill>
+            <a:schemeClr val="accent2"/>
+          </a:solidFill>
+          <a:ln>
+            <a:noFill/>
+          </a:ln>
+        </p:spPr>
+        <p:style>
+          <a:lnRef idx="2">
+            <a:schemeClr val="accent1">
+              <a:shade val="50000"/>
+            </a:schemeClr>
+          </a:lnRef>
+          <a:fillRef idx="1">
+            <a:schemeClr val="accent1"/>
+          </a:fillRef>
+          <a:effectRef idx="0">
+            <a:schemeClr val="accent1"/>
+          </a:effectRef>
+          <a:fontRef idx="minor">
+            <a:schemeClr val="lt1"/>
+          </a:fontRef>
+        </p:style>
+      </p:sp>
+      <p:sp>
+        <p:nvSpPr>
+          <p:cNvPr id="8" name="Rectangle 7"/>
+          <p:cNvSpPr/>
+          <p:nvPr/>
+        </p:nvSpPr>
+        <p:spPr>
+          <a:xfrm>
+            <a:off x="15" y="6334316"/>
+            <a:ext cx="12188825" cy="64008"/>
+          </a:xfrm>
+          <a:prstGeom prst="rect">
+            <a:avLst/>
+          </a:prstGeom>
+          <a:solidFill>
+            <a:schemeClr val="accent1"/>
+          </a:solidFill>
+          <a:ln>
+            <a:noFill/>
+          </a:ln>
+        </p:spPr>
+        <p:style>
+          <a:lnRef idx="2">
+            <a:schemeClr val="accent1">
+              <a:shade val="50000"/>
+            </a:schemeClr>
+          </a:lnRef>
+          <a:fillRef idx="1">
+            <a:schemeClr val="accent1"/>
+          </a:fillRef>
+          <a:effectRef idx="0">
+            <a:schemeClr val="accent1"/>
+          </a:effectRef>
+          <a:fontRef idx="minor">
+            <a:schemeClr val="lt1"/>
+          </a:fontRef>
+        </p:style>
+      </p:sp>
+      <p:sp>
+        <p:nvSpPr>
           <p:cNvPr id="2" name="Title 1"/>
           <p:cNvSpPr>
             <a:spLocks noGrp="1"/>
@@ -867,58 +1166,71 @@
         </p:nvSpPr>
         <p:spPr>
           <a:xfrm>
-            <a:off x="831850" y="1709738"/>
-            <a:ext cx="10515600" cy="2852737"/>
-          </a:xfrm>
-        </p:spPr>
-        <p:txBody>
-          <a:bodyPr anchor="b"/>
+            <a:off x="1097280" y="758952"/>
+            <a:ext cx="10058400" cy="3566160"/>
+          </a:xfrm>
+        </p:spPr>
+        <p:txBody>
+          <a:bodyPr anchor="b" anchorCtr="0">
+            <a:normAutofit/>
+          </a:bodyPr>
           <a:lstStyle>
             <a:lvl1pPr>
-              <a:defRPr sz="6000"/>
-            </a:lvl1pPr>
-          </a:lstStyle>
-          <a:p>
-            <a:r>
-              <a:rPr lang="en-US" smtClean="0"/>
-              <a:t>Click to edit Master title style</a:t>
-            </a:r>
-            <a:endParaRPr lang="en-US"/>
-          </a:p>
-        </p:txBody>
-      </p:sp>
-      <p:sp>
-        <p:nvSpPr>
-          <p:cNvPr id="3" name="Text Placeholder 2"/>
-          <p:cNvSpPr>
-            <a:spLocks noGrp="1"/>
-          </p:cNvSpPr>
-          <p:nvPr>
-            <p:ph type="body" idx="1"/>
-          </p:nvPr>
-        </p:nvSpPr>
-        <p:spPr>
-          <a:xfrm>
-            <a:off x="831850" y="4589463"/>
-            <a:ext cx="10515600" cy="1500187"/>
-          </a:xfrm>
-        </p:spPr>
-        <p:txBody>
-          <a:bodyPr/>
-          <a:lstStyle>
-            <a:lvl1pPr marL="0" indent="0">
-              <a:buNone/>
-              <a:defRPr sz="2400">
+              <a:lnSpc>
+                <a:spcPct val="85000"/>
+              </a:lnSpc>
+              <a:defRPr sz="8000" b="0">
                 <a:solidFill>
                   <a:schemeClr val="tx1">
-                    <a:tint val="75000"/>
+                    <a:lumMod val="85000"/>
+                    <a:lumOff val="15000"/>
                   </a:schemeClr>
                 </a:solidFill>
               </a:defRPr>
             </a:lvl1pPr>
+          </a:lstStyle>
+          <a:p>
+            <a:r>
+              <a:rPr lang="en-US" smtClean="0"/>
+              <a:t>Click to edit Master title style</a:t>
+            </a:r>
+            <a:endParaRPr lang="en-US" dirty="0"/>
+          </a:p>
+        </p:txBody>
+      </p:sp>
+      <p:sp>
+        <p:nvSpPr>
+          <p:cNvPr id="3" name="Text Placeholder 2"/>
+          <p:cNvSpPr>
+            <a:spLocks noGrp="1"/>
+          </p:cNvSpPr>
+          <p:nvPr>
+            <p:ph type="body" idx="1"/>
+          </p:nvPr>
+        </p:nvSpPr>
+        <p:spPr>
+          <a:xfrm>
+            <a:off x="1097280" y="4453128"/>
+            <a:ext cx="10058400" cy="1143000"/>
+          </a:xfrm>
+        </p:spPr>
+        <p:txBody>
+          <a:bodyPr lIns="91440" rIns="91440" anchor="t" anchorCtr="0">
+            <a:normAutofit/>
+          </a:bodyPr>
+          <a:lstStyle>
+            <a:lvl1pPr marL="0" indent="0">
+              <a:buNone/>
+              <a:defRPr sz="2400" cap="all" spc="200" baseline="0">
+                <a:solidFill>
+                  <a:schemeClr val="tx2"/>
+                </a:solidFill>
+                <a:latin typeface="+mj-lt"/>
+              </a:defRPr>
+            </a:lvl1pPr>
             <a:lvl2pPr marL="457200" indent="0">
               <a:buNone/>
-              <a:defRPr sz="2000">
+              <a:defRPr sz="1800">
                 <a:solidFill>
                   <a:schemeClr val="tx1">
                     <a:tint val="75000"/>
@@ -928,7 +1240,7 @@
             </a:lvl2pPr>
             <a:lvl3pPr marL="914400" indent="0">
               <a:buNone/>
-              <a:defRPr sz="1800">
+              <a:defRPr sz="1600">
                 <a:solidFill>
                   <a:schemeClr val="tx1">
                     <a:tint val="75000"/>
@@ -938,7 +1250,7 @@
             </a:lvl3pPr>
             <a:lvl4pPr marL="1371600" indent="0">
               <a:buNone/>
-              <a:defRPr sz="1600">
+              <a:defRPr sz="1400">
                 <a:solidFill>
                   <a:schemeClr val="tx1">
                     <a:tint val="75000"/>
@@ -948,7 +1260,7 @@
             </a:lvl4pPr>
             <a:lvl5pPr marL="1828800" indent="0">
               <a:buNone/>
-              <a:defRPr sz="1600">
+              <a:defRPr sz="1400">
                 <a:solidFill>
                   <a:schemeClr val="tx1">
                     <a:tint val="75000"/>
@@ -958,7 +1270,7 @@
             </a:lvl5pPr>
             <a:lvl6pPr marL="2286000" indent="0">
               <a:buNone/>
-              <a:defRPr sz="1600">
+              <a:defRPr sz="1400">
                 <a:solidFill>
                   <a:schemeClr val="tx1">
                     <a:tint val="75000"/>
@@ -968,7 +1280,7 @@
             </a:lvl6pPr>
             <a:lvl7pPr marL="2743200" indent="0">
               <a:buNone/>
-              <a:defRPr sz="1600">
+              <a:defRPr sz="1400">
                 <a:solidFill>
                   <a:schemeClr val="tx1">
                     <a:tint val="75000"/>
@@ -978,7 +1290,7 @@
             </a:lvl7pPr>
             <a:lvl8pPr marL="3200400" indent="0">
               <a:buNone/>
-              <a:defRPr sz="1600">
+              <a:defRPr sz="1400">
                 <a:solidFill>
                   <a:schemeClr val="tx1">
                     <a:tint val="75000"/>
@@ -988,7 +1300,7 @@
             </a:lvl8pPr>
             <a:lvl9pPr marL="3657600" indent="0">
               <a:buNone/>
-              <a:defRPr sz="1600">
+              <a:defRPr sz="1400">
                 <a:solidFill>
                   <a:schemeClr val="tx1">
                     <a:tint val="75000"/>
@@ -1023,7 +1335,7 @@
           <a:p>
             <a:fld id="{91025132-E6C1-46E6-8173-FBEEFA965F72}" type="datetimeFigureOut">
               <a:rPr lang="en-US" smtClean="0"/>
-              <a:t>2/10/2018</a:t>
+              <a:t>2/12/2018</a:t>
             </a:fld>
             <a:endParaRPr lang="en-US"/>
           </a:p>
@@ -1071,10 +1383,48 @@
           </a:p>
         </p:txBody>
       </p:sp>
+      <p:cxnSp>
+        <p:nvCxnSpPr>
+          <p:cNvPr id="9" name="Straight Connector 8"/>
+          <p:cNvCxnSpPr/>
+          <p:nvPr/>
+        </p:nvCxnSpPr>
+        <p:spPr>
+          <a:xfrm>
+            <a:off x="1207658" y="4343400"/>
+            <a:ext cx="9875520" cy="0"/>
+          </a:xfrm>
+          <a:prstGeom prst="line">
+            <a:avLst/>
+          </a:prstGeom>
+          <a:ln w="6350">
+            <a:solidFill>
+              <a:schemeClr val="tx1">
+                <a:lumMod val="50000"/>
+                <a:lumOff val="50000"/>
+              </a:schemeClr>
+            </a:solidFill>
+          </a:ln>
+        </p:spPr>
+        <p:style>
+          <a:lnRef idx="1">
+            <a:schemeClr val="accent1"/>
+          </a:lnRef>
+          <a:fillRef idx="0">
+            <a:schemeClr val="accent1"/>
+          </a:fillRef>
+          <a:effectRef idx="0">
+            <a:schemeClr val="accent1"/>
+          </a:effectRef>
+          <a:fontRef idx="minor">
+            <a:schemeClr val="tx1"/>
+          </a:fontRef>
+        </p:style>
+      </p:cxnSp>
     </p:spTree>
     <p:extLst>
       <p:ext uri="{BB962C8B-B14F-4D97-AF65-F5344CB8AC3E}">
-        <p14:creationId xmlns:p14="http://schemas.microsoft.com/office/powerpoint/2010/main" val="2910115137"/>
+        <p14:creationId xmlns:p14="http://schemas.microsoft.com/office/powerpoint/2010/main" val="185147525"/>
       </p:ext>
     </p:extLst>
   </p:cSld>
@@ -1103,7 +1453,7 @@
       </p:grpSpPr>
       <p:sp>
         <p:nvSpPr>
-          <p:cNvPr id="2" name="Title 1"/>
+          <p:cNvPr id="8" name="Title 7"/>
           <p:cNvSpPr>
             <a:spLocks noGrp="1"/>
           </p:cNvSpPr>
@@ -1111,151 +1461,156 @@
             <p:ph type="title"/>
           </p:nvPr>
         </p:nvSpPr>
+        <p:spPr>
+          <a:xfrm>
+            <a:off x="1097280" y="286603"/>
+            <a:ext cx="10058400" cy="1450757"/>
+          </a:xfrm>
+        </p:spPr>
+        <p:txBody>
+          <a:bodyPr/>
+          <a:lstStyle/>
+          <a:p>
+            <a:r>
+              <a:rPr lang="en-US" smtClean="0"/>
+              <a:t>Click to edit Master title style</a:t>
+            </a:r>
+            <a:endParaRPr lang="en-US" dirty="0"/>
+          </a:p>
+        </p:txBody>
+      </p:sp>
+      <p:sp>
+        <p:nvSpPr>
+          <p:cNvPr id="3" name="Content Placeholder 2"/>
+          <p:cNvSpPr>
+            <a:spLocks noGrp="1"/>
+          </p:cNvSpPr>
+          <p:nvPr>
+            <p:ph sz="half" idx="1"/>
+          </p:nvPr>
+        </p:nvSpPr>
+        <p:spPr>
+          <a:xfrm>
+            <a:off x="1097280" y="1845734"/>
+            <a:ext cx="4937760" cy="4023359"/>
+          </a:xfrm>
+        </p:spPr>
+        <p:txBody>
+          <a:bodyPr/>
+          <a:lstStyle/>
+          <a:p>
+            <a:pPr lvl="0"/>
+            <a:r>
+              <a:rPr lang="en-US" smtClean="0"/>
+              <a:t>Click to edit Master text styles</a:t>
+            </a:r>
+          </a:p>
+          <a:p>
+            <a:pPr lvl="1"/>
+            <a:r>
+              <a:rPr lang="en-US" smtClean="0"/>
+              <a:t>Second level</a:t>
+            </a:r>
+          </a:p>
+          <a:p>
+            <a:pPr lvl="2"/>
+            <a:r>
+              <a:rPr lang="en-US" smtClean="0"/>
+              <a:t>Third level</a:t>
+            </a:r>
+          </a:p>
+          <a:p>
+            <a:pPr lvl="3"/>
+            <a:r>
+              <a:rPr lang="en-US" smtClean="0"/>
+              <a:t>Fourth level</a:t>
+            </a:r>
+          </a:p>
+          <a:p>
+            <a:pPr lvl="4"/>
+            <a:r>
+              <a:rPr lang="en-US" smtClean="0"/>
+              <a:t>Fifth level</a:t>
+            </a:r>
+            <a:endParaRPr lang="en-US" dirty="0"/>
+          </a:p>
+        </p:txBody>
+      </p:sp>
+      <p:sp>
+        <p:nvSpPr>
+          <p:cNvPr id="4" name="Content Placeholder 3"/>
+          <p:cNvSpPr>
+            <a:spLocks noGrp="1"/>
+          </p:cNvSpPr>
+          <p:nvPr>
+            <p:ph sz="half" idx="2"/>
+          </p:nvPr>
+        </p:nvSpPr>
+        <p:spPr>
+          <a:xfrm>
+            <a:off x="6217920" y="1845735"/>
+            <a:ext cx="4937760" cy="4023360"/>
+          </a:xfrm>
+        </p:spPr>
+        <p:txBody>
+          <a:bodyPr/>
+          <a:lstStyle/>
+          <a:p>
+            <a:pPr lvl="0"/>
+            <a:r>
+              <a:rPr lang="en-US" smtClean="0"/>
+              <a:t>Click to edit Master text styles</a:t>
+            </a:r>
+          </a:p>
+          <a:p>
+            <a:pPr lvl="1"/>
+            <a:r>
+              <a:rPr lang="en-US" smtClean="0"/>
+              <a:t>Second level</a:t>
+            </a:r>
+          </a:p>
+          <a:p>
+            <a:pPr lvl="2"/>
+            <a:r>
+              <a:rPr lang="en-US" smtClean="0"/>
+              <a:t>Third level</a:t>
+            </a:r>
+          </a:p>
+          <a:p>
+            <a:pPr lvl="3"/>
+            <a:r>
+              <a:rPr lang="en-US" smtClean="0"/>
+              <a:t>Fourth level</a:t>
+            </a:r>
+          </a:p>
+          <a:p>
+            <a:pPr lvl="4"/>
+            <a:r>
+              <a:rPr lang="en-US" smtClean="0"/>
+              <a:t>Fifth level</a:t>
+            </a:r>
+            <a:endParaRPr lang="en-US" dirty="0"/>
+          </a:p>
+        </p:txBody>
+      </p:sp>
+      <p:sp>
+        <p:nvSpPr>
+          <p:cNvPr id="5" name="Date Placeholder 4"/>
+          <p:cNvSpPr>
+            <a:spLocks noGrp="1"/>
+          </p:cNvSpPr>
+          <p:nvPr>
+            <p:ph type="dt" sz="half" idx="10"/>
+          </p:nvPr>
+        </p:nvSpPr>
         <p:spPr/>
         <p:txBody>
           <a:bodyPr/>
           <a:lstStyle/>
           <a:p>
-            <a:r>
-              <a:rPr lang="en-US" smtClean="0"/>
-              <a:t>Click to edit Master title style</a:t>
-            </a:r>
-            <a:endParaRPr lang="en-US"/>
-          </a:p>
-        </p:txBody>
-      </p:sp>
-      <p:sp>
-        <p:nvSpPr>
-          <p:cNvPr id="3" name="Content Placeholder 2"/>
-          <p:cNvSpPr>
-            <a:spLocks noGrp="1"/>
-          </p:cNvSpPr>
-          <p:nvPr>
-            <p:ph sz="half" idx="1"/>
-          </p:nvPr>
-        </p:nvSpPr>
-        <p:spPr>
-          <a:xfrm>
-            <a:off x="838200" y="1825625"/>
-            <a:ext cx="5181600" cy="4351338"/>
-          </a:xfrm>
-        </p:spPr>
-        <p:txBody>
-          <a:bodyPr/>
-          <a:lstStyle/>
-          <a:p>
-            <a:pPr lvl="0"/>
-            <a:r>
-              <a:rPr lang="en-US" smtClean="0"/>
-              <a:t>Click to edit Master text styles</a:t>
-            </a:r>
-          </a:p>
-          <a:p>
-            <a:pPr lvl="1"/>
-            <a:r>
-              <a:rPr lang="en-US" smtClean="0"/>
-              <a:t>Second level</a:t>
-            </a:r>
-          </a:p>
-          <a:p>
-            <a:pPr lvl="2"/>
-            <a:r>
-              <a:rPr lang="en-US" smtClean="0"/>
-              <a:t>Third level</a:t>
-            </a:r>
-          </a:p>
-          <a:p>
-            <a:pPr lvl="3"/>
-            <a:r>
-              <a:rPr lang="en-US" smtClean="0"/>
-              <a:t>Fourth level</a:t>
-            </a:r>
-          </a:p>
-          <a:p>
-            <a:pPr lvl="4"/>
-            <a:r>
-              <a:rPr lang="en-US" smtClean="0"/>
-              <a:t>Fifth level</a:t>
-            </a:r>
-            <a:endParaRPr lang="en-US"/>
-          </a:p>
-        </p:txBody>
-      </p:sp>
-      <p:sp>
-        <p:nvSpPr>
-          <p:cNvPr id="4" name="Content Placeholder 3"/>
-          <p:cNvSpPr>
-            <a:spLocks noGrp="1"/>
-          </p:cNvSpPr>
-          <p:nvPr>
-            <p:ph sz="half" idx="2"/>
-          </p:nvPr>
-        </p:nvSpPr>
-        <p:spPr>
-          <a:xfrm>
-            <a:off x="6172200" y="1825625"/>
-            <a:ext cx="5181600" cy="4351338"/>
-          </a:xfrm>
-        </p:spPr>
-        <p:txBody>
-          <a:bodyPr/>
-          <a:lstStyle/>
-          <a:p>
-            <a:pPr lvl="0"/>
-            <a:r>
-              <a:rPr lang="en-US" smtClean="0"/>
-              <a:t>Click to edit Master text styles</a:t>
-            </a:r>
-          </a:p>
-          <a:p>
-            <a:pPr lvl="1"/>
-            <a:r>
-              <a:rPr lang="en-US" smtClean="0"/>
-              <a:t>Second level</a:t>
-            </a:r>
-          </a:p>
-          <a:p>
-            <a:pPr lvl="2"/>
-            <a:r>
-              <a:rPr lang="en-US" smtClean="0"/>
-              <a:t>Third level</a:t>
-            </a:r>
-          </a:p>
-          <a:p>
-            <a:pPr lvl="3"/>
-            <a:r>
-              <a:rPr lang="en-US" smtClean="0"/>
-              <a:t>Fourth level</a:t>
-            </a:r>
-          </a:p>
-          <a:p>
-            <a:pPr lvl="4"/>
-            <a:r>
-              <a:rPr lang="en-US" smtClean="0"/>
-              <a:t>Fifth level</a:t>
-            </a:r>
-            <a:endParaRPr lang="en-US"/>
-          </a:p>
-        </p:txBody>
-      </p:sp>
-      <p:sp>
-        <p:nvSpPr>
-          <p:cNvPr id="5" name="Date Placeholder 4"/>
-          <p:cNvSpPr>
-            <a:spLocks noGrp="1"/>
-          </p:cNvSpPr>
-          <p:nvPr>
-            <p:ph type="dt" sz="half" idx="10"/>
-          </p:nvPr>
-        </p:nvSpPr>
-        <p:spPr/>
-        <p:txBody>
-          <a:bodyPr/>
-          <a:lstStyle/>
-          <a:p>
             <a:fld id="{91025132-E6C1-46E6-8173-FBEEFA965F72}" type="datetimeFigureOut">
               <a:rPr lang="en-US" smtClean="0"/>
-              <a:t>2/10/2018</a:t>
+              <a:t>2/12/2018</a:t>
             </a:fld>
             <a:endParaRPr lang="en-US"/>
           </a:p>
@@ -1306,7 +1661,7 @@
     </p:spTree>
     <p:extLst>
       <p:ext uri="{BB962C8B-B14F-4D97-AF65-F5344CB8AC3E}">
-        <p14:creationId xmlns:p14="http://schemas.microsoft.com/office/powerpoint/2010/main" val="2967869784"/>
+        <p14:creationId xmlns:p14="http://schemas.microsoft.com/office/powerpoint/2010/main" val="3834695112"/>
       </p:ext>
     </p:extLst>
   </p:cSld>
@@ -1335,7 +1690,7 @@
       </p:grpSpPr>
       <p:sp>
         <p:nvSpPr>
-          <p:cNvPr id="2" name="Title 1"/>
+          <p:cNvPr id="10" name="Title 9"/>
           <p:cNvSpPr>
             <a:spLocks noGrp="1"/>
           </p:cNvSpPr>
@@ -1345,8 +1700,8 @@
         </p:nvSpPr>
         <p:spPr>
           <a:xfrm>
-            <a:off x="839788" y="365125"/>
-            <a:ext cx="10515600" cy="1325563"/>
+            <a:off x="1097280" y="286603"/>
+            <a:ext cx="10058400" cy="1450757"/>
           </a:xfrm>
         </p:spPr>
         <p:txBody>
@@ -1357,7 +1712,7 @@
               <a:rPr lang="en-US" smtClean="0"/>
               <a:t>Click to edit Master title style</a:t>
             </a:r>
-            <a:endParaRPr lang="en-US"/>
+            <a:endParaRPr lang="en-US" dirty="0"/>
           </a:p>
         </p:txBody>
       </p:sp>
@@ -1373,16 +1728,22 @@
         </p:nvSpPr>
         <p:spPr>
           <a:xfrm>
-            <a:off x="839788" y="1681163"/>
-            <a:ext cx="5157787" cy="823912"/>
-          </a:xfrm>
-        </p:spPr>
-        <p:txBody>
-          <a:bodyPr anchor="b"/>
+            <a:off x="1097280" y="1846052"/>
+            <a:ext cx="4937760" cy="736282"/>
+          </a:xfrm>
+        </p:spPr>
+        <p:txBody>
+          <a:bodyPr lIns="91440" rIns="91440" anchor="ctr">
+            <a:normAutofit/>
+          </a:bodyPr>
           <a:lstStyle>
             <a:lvl1pPr marL="0" indent="0">
               <a:buNone/>
-              <a:defRPr sz="2400" b="1"/>
+              <a:defRPr sz="2000" b="0" cap="all" baseline="0">
+                <a:solidFill>
+                  <a:schemeClr val="tx2"/>
+                </a:solidFill>
+              </a:defRPr>
             </a:lvl1pPr>
             <a:lvl2pPr marL="457200" indent="0">
               <a:buNone/>
@@ -1438,8 +1799,8 @@
         </p:nvSpPr>
         <p:spPr>
           <a:xfrm>
-            <a:off x="839788" y="2505075"/>
-            <a:ext cx="5157787" cy="3684588"/>
+            <a:off x="1097280" y="2582335"/>
+            <a:ext cx="4937760" cy="3286760"/>
           </a:xfrm>
         </p:spPr>
         <p:txBody>
@@ -1479,7 +1840,7 @@
               <a:rPr lang="en-US" smtClean="0"/>
               <a:t>Fifth level</a:t>
             </a:r>
-            <a:endParaRPr lang="en-US"/>
+            <a:endParaRPr lang="en-US" dirty="0"/>
           </a:p>
         </p:txBody>
       </p:sp>
@@ -1495,16 +1856,22 @@
         </p:nvSpPr>
         <p:spPr>
           <a:xfrm>
-            <a:off x="6172200" y="1681163"/>
-            <a:ext cx="5183188" cy="823912"/>
-          </a:xfrm>
-        </p:spPr>
-        <p:txBody>
-          <a:bodyPr anchor="b"/>
+            <a:off x="6217920" y="1846052"/>
+            <a:ext cx="4937760" cy="736282"/>
+          </a:xfrm>
+        </p:spPr>
+        <p:txBody>
+          <a:bodyPr lIns="91440" rIns="91440" anchor="ctr">
+            <a:normAutofit/>
+          </a:bodyPr>
           <a:lstStyle>
             <a:lvl1pPr marL="0" indent="0">
               <a:buNone/>
-              <a:defRPr sz="2400" b="1"/>
+              <a:defRPr sz="2000" b="0" cap="all" baseline="0">
+                <a:solidFill>
+                  <a:schemeClr val="tx2"/>
+                </a:solidFill>
+              </a:defRPr>
             </a:lvl1pPr>
             <a:lvl2pPr marL="457200" indent="0">
               <a:buNone/>
@@ -1560,8 +1927,8 @@
         </p:nvSpPr>
         <p:spPr>
           <a:xfrm>
-            <a:off x="6172200" y="2505075"/>
-            <a:ext cx="5183188" cy="3684588"/>
+            <a:off x="6217920" y="2582334"/>
+            <a:ext cx="4937760" cy="3286760"/>
           </a:xfrm>
         </p:spPr>
         <p:txBody>
@@ -1601,7 +1968,7 @@
               <a:rPr lang="en-US" smtClean="0"/>
               <a:t>Fifth level</a:t>
             </a:r>
-            <a:endParaRPr lang="en-US"/>
+            <a:endParaRPr lang="en-US" dirty="0"/>
           </a:p>
         </p:txBody>
       </p:sp>
@@ -1622,7 +1989,7 @@
           <a:p>
             <a:fld id="{91025132-E6C1-46E6-8173-FBEEFA965F72}" type="datetimeFigureOut">
               <a:rPr lang="en-US" smtClean="0"/>
-              <a:t>2/10/2018</a:t>
+              <a:t>2/12/2018</a:t>
             </a:fld>
             <a:endParaRPr lang="en-US"/>
           </a:p>
@@ -1673,7 +2040,7 @@
     </p:spTree>
     <p:extLst>
       <p:ext uri="{BB962C8B-B14F-4D97-AF65-F5344CB8AC3E}">
-        <p14:creationId xmlns:p14="http://schemas.microsoft.com/office/powerpoint/2010/main" val="1340318577"/>
+        <p14:creationId xmlns:p14="http://schemas.microsoft.com/office/powerpoint/2010/main" val="448838282"/>
       </p:ext>
     </p:extLst>
   </p:cSld>
@@ -1719,7 +2086,7 @@
               <a:rPr lang="en-US" smtClean="0"/>
               <a:t>Click to edit Master title style</a:t>
             </a:r>
-            <a:endParaRPr lang="en-US"/>
+            <a:endParaRPr lang="en-US" dirty="0"/>
           </a:p>
         </p:txBody>
       </p:sp>
@@ -1740,7 +2107,7 @@
           <a:p>
             <a:fld id="{91025132-E6C1-46E6-8173-FBEEFA965F72}" type="datetimeFigureOut">
               <a:rPr lang="en-US" smtClean="0"/>
-              <a:t>2/10/2018</a:t>
+              <a:t>2/12/2018</a:t>
             </a:fld>
             <a:endParaRPr lang="en-US"/>
           </a:p>
@@ -1791,7 +2158,7 @@
     </p:spTree>
     <p:extLst>
       <p:ext uri="{BB962C8B-B14F-4D97-AF65-F5344CB8AC3E}">
-        <p14:creationId xmlns:p14="http://schemas.microsoft.com/office/powerpoint/2010/main" val="1878357625"/>
+        <p14:creationId xmlns:p14="http://schemas.microsoft.com/office/powerpoint/2010/main" val="587683190"/>
       </p:ext>
     </p:extLst>
   </p:cSld>
@@ -1802,7 +2169,7 @@
 </file>
 
 <file path=ppt/slideLayouts/slideLayout7.xml><?xml version="1.0" encoding="utf-8"?>
-<p:sldLayout xmlns:a="http://schemas.openxmlformats.org/drawingml/2006/main" xmlns:r="http://schemas.openxmlformats.org/officeDocument/2006/relationships" xmlns:p="http://schemas.openxmlformats.org/presentationml/2006/main" type="blank" preserve="1">
+<p:sldLayout xmlns:a="http://schemas.openxmlformats.org/drawingml/2006/main" xmlns:r="http://schemas.openxmlformats.org/officeDocument/2006/relationships" xmlns:p="http://schemas.openxmlformats.org/presentationml/2006/main" showMasterSp="0" type="blank" preserve="1">
   <p:cSld name="Blank">
     <p:spTree>
       <p:nvGrpSpPr>
@@ -1820,7 +2187,83 @@
       </p:grpSpPr>
       <p:sp>
         <p:nvSpPr>
-          <p:cNvPr id="2" name="Date Placeholder 1"/>
+          <p:cNvPr id="5" name="Rectangle 4"/>
+          <p:cNvSpPr/>
+          <p:nvPr/>
+        </p:nvSpPr>
+        <p:spPr>
+          <a:xfrm>
+            <a:off x="3175" y="6400800"/>
+            <a:ext cx="12188825" cy="457200"/>
+          </a:xfrm>
+          <a:prstGeom prst="rect">
+            <a:avLst/>
+          </a:prstGeom>
+          <a:solidFill>
+            <a:schemeClr val="accent2"/>
+          </a:solidFill>
+          <a:ln>
+            <a:noFill/>
+          </a:ln>
+        </p:spPr>
+        <p:style>
+          <a:lnRef idx="2">
+            <a:schemeClr val="accent1">
+              <a:shade val="50000"/>
+            </a:schemeClr>
+          </a:lnRef>
+          <a:fillRef idx="1">
+            <a:schemeClr val="accent1"/>
+          </a:fillRef>
+          <a:effectRef idx="0">
+            <a:schemeClr val="accent1"/>
+          </a:effectRef>
+          <a:fontRef idx="minor">
+            <a:schemeClr val="lt1"/>
+          </a:fontRef>
+        </p:style>
+      </p:sp>
+      <p:sp>
+        <p:nvSpPr>
+          <p:cNvPr id="6" name="Rectangle 5"/>
+          <p:cNvSpPr/>
+          <p:nvPr/>
+        </p:nvSpPr>
+        <p:spPr>
+          <a:xfrm>
+            <a:off x="15" y="6334316"/>
+            <a:ext cx="12188825" cy="64008"/>
+          </a:xfrm>
+          <a:prstGeom prst="rect">
+            <a:avLst/>
+          </a:prstGeom>
+          <a:solidFill>
+            <a:schemeClr val="accent1"/>
+          </a:solidFill>
+          <a:ln>
+            <a:noFill/>
+          </a:ln>
+        </p:spPr>
+        <p:style>
+          <a:lnRef idx="2">
+            <a:schemeClr val="accent1">
+              <a:shade val="50000"/>
+            </a:schemeClr>
+          </a:lnRef>
+          <a:fillRef idx="1">
+            <a:schemeClr val="accent1"/>
+          </a:fillRef>
+          <a:effectRef idx="0">
+            <a:schemeClr val="accent1"/>
+          </a:effectRef>
+          <a:fontRef idx="minor">
+            <a:schemeClr val="lt1"/>
+          </a:fontRef>
+        </p:style>
+      </p:sp>
+      <p:sp>
+        <p:nvSpPr>
+          <p:cNvPr id="7" name="Date Placeholder 6"/>
           <p:cNvSpPr>
             <a:spLocks noGrp="1"/>
           </p:cNvSpPr>
@@ -1835,7 +2278,7 @@
           <a:p>
             <a:fld id="{91025132-E6C1-46E6-8173-FBEEFA965F72}" type="datetimeFigureOut">
               <a:rPr lang="en-US" smtClean="0"/>
-              <a:t>2/10/2018</a:t>
+              <a:t>2/12/2018</a:t>
             </a:fld>
             <a:endParaRPr lang="en-US"/>
           </a:p>
@@ -1843,7 +2286,7 @@
       </p:sp>
       <p:sp>
         <p:nvSpPr>
-          <p:cNvPr id="3" name="Footer Placeholder 2"/>
+          <p:cNvPr id="8" name="Footer Placeholder 7"/>
           <p:cNvSpPr>
             <a:spLocks noGrp="1"/>
           </p:cNvSpPr>
@@ -1854,7 +2297,15 @@
         <p:spPr/>
         <p:txBody>
           <a:bodyPr/>
-          <a:lstStyle/>
+          <a:lstStyle>
+            <a:lvl1pPr>
+              <a:defRPr>
+                <a:solidFill>
+                  <a:srgbClr val="FFFFFF"/>
+                </a:solidFill>
+              </a:defRPr>
+            </a:lvl1pPr>
+          </a:lstStyle>
           <a:p>
             <a:endParaRPr lang="en-US"/>
           </a:p>
@@ -1862,7 +2313,7 @@
       </p:sp>
       <p:sp>
         <p:nvSpPr>
-          <p:cNvPr id="4" name="Slide Number Placeholder 3"/>
+          <p:cNvPr id="9" name="Slide Number Placeholder 8"/>
           <p:cNvSpPr>
             <a:spLocks noGrp="1"/>
           </p:cNvSpPr>
@@ -1886,7 +2337,7 @@
     </p:spTree>
     <p:extLst>
       <p:ext uri="{BB962C8B-B14F-4D97-AF65-F5344CB8AC3E}">
-        <p14:creationId xmlns:p14="http://schemas.microsoft.com/office/powerpoint/2010/main" val="3385670775"/>
+        <p14:creationId xmlns:p14="http://schemas.microsoft.com/office/powerpoint/2010/main" val="856756914"/>
       </p:ext>
     </p:extLst>
   </p:cSld>
@@ -1897,7 +2348,7 @@
 </file>
 
 <file path=ppt/slideLayouts/slideLayout8.xml><?xml version="1.0" encoding="utf-8"?>
-<p:sldLayout xmlns:a="http://schemas.openxmlformats.org/drawingml/2006/main" xmlns:r="http://schemas.openxmlformats.org/officeDocument/2006/relationships" xmlns:p="http://schemas.openxmlformats.org/presentationml/2006/main" type="objTx" preserve="1">
+<p:sldLayout xmlns:a="http://schemas.openxmlformats.org/drawingml/2006/main" xmlns:r="http://schemas.openxmlformats.org/officeDocument/2006/relationships" xmlns:p="http://schemas.openxmlformats.org/presentationml/2006/main" showMasterSp="0" type="objTx" preserve="1">
   <p:cSld name="Content with Caption">
     <p:spTree>
       <p:nvGrpSpPr>
@@ -1915,6 +2366,82 @@
       </p:grpSpPr>
       <p:sp>
         <p:nvSpPr>
+          <p:cNvPr id="8" name="Rectangle 7"/>
+          <p:cNvSpPr/>
+          <p:nvPr/>
+        </p:nvSpPr>
+        <p:spPr>
+          <a:xfrm>
+            <a:off x="16" y="0"/>
+            <a:ext cx="4050791" cy="6858000"/>
+          </a:xfrm>
+          <a:prstGeom prst="rect">
+            <a:avLst/>
+          </a:prstGeom>
+          <a:solidFill>
+            <a:schemeClr val="accent2"/>
+          </a:solidFill>
+          <a:ln>
+            <a:noFill/>
+          </a:ln>
+        </p:spPr>
+        <p:style>
+          <a:lnRef idx="2">
+            <a:schemeClr val="accent1">
+              <a:shade val="50000"/>
+            </a:schemeClr>
+          </a:lnRef>
+          <a:fillRef idx="1">
+            <a:schemeClr val="accent1"/>
+          </a:fillRef>
+          <a:effectRef idx="0">
+            <a:schemeClr val="accent1"/>
+          </a:effectRef>
+          <a:fontRef idx="minor">
+            <a:schemeClr val="lt1"/>
+          </a:fontRef>
+        </p:style>
+      </p:sp>
+      <p:sp>
+        <p:nvSpPr>
+          <p:cNvPr id="9" name="Rectangle 8"/>
+          <p:cNvSpPr/>
+          <p:nvPr/>
+        </p:nvSpPr>
+        <p:spPr>
+          <a:xfrm>
+            <a:off x="4040071" y="0"/>
+            <a:ext cx="64008" cy="6858000"/>
+          </a:xfrm>
+          <a:prstGeom prst="rect">
+            <a:avLst/>
+          </a:prstGeom>
+          <a:solidFill>
+            <a:schemeClr val="accent1"/>
+          </a:solidFill>
+          <a:ln>
+            <a:noFill/>
+          </a:ln>
+        </p:spPr>
+        <p:style>
+          <a:lnRef idx="2">
+            <a:schemeClr val="accent1">
+              <a:shade val="50000"/>
+            </a:schemeClr>
+          </a:lnRef>
+          <a:fillRef idx="1">
+            <a:schemeClr val="accent1"/>
+          </a:fillRef>
+          <a:effectRef idx="0">
+            <a:schemeClr val="accent1"/>
+          </a:effectRef>
+          <a:fontRef idx="minor">
+            <a:schemeClr val="lt1"/>
+          </a:fontRef>
+        </p:style>
+      </p:sp>
+      <p:sp>
+        <p:nvSpPr>
           <p:cNvPr id="2" name="Title 1"/>
           <p:cNvSpPr>
             <a:spLocks noGrp="1"/>
@@ -1925,15 +2452,21 @@
         </p:nvSpPr>
         <p:spPr>
           <a:xfrm>
-            <a:off x="839788" y="457200"/>
-            <a:ext cx="3932237" cy="1600200"/>
-          </a:xfrm>
-        </p:spPr>
-        <p:txBody>
-          <a:bodyPr anchor="b"/>
+            <a:off x="457200" y="594359"/>
+            <a:ext cx="3200400" cy="2286000"/>
+          </a:xfrm>
+        </p:spPr>
+        <p:txBody>
+          <a:bodyPr anchor="b">
+            <a:normAutofit/>
+          </a:bodyPr>
           <a:lstStyle>
             <a:lvl1pPr>
-              <a:defRPr sz="3200"/>
+              <a:defRPr sz="3600" b="0">
+                <a:solidFill>
+                  <a:srgbClr val="FFFFFF"/>
+                </a:solidFill>
+              </a:defRPr>
             </a:lvl1pPr>
           </a:lstStyle>
           <a:p>
@@ -1941,216 +2474,224 @@
               <a:rPr lang="en-US" smtClean="0"/>
               <a:t>Click to edit Master title style</a:t>
             </a:r>
+            <a:endParaRPr lang="en-US" dirty="0"/>
+          </a:p>
+        </p:txBody>
+      </p:sp>
+      <p:sp>
+        <p:nvSpPr>
+          <p:cNvPr id="3" name="Content Placeholder 2"/>
+          <p:cNvSpPr>
+            <a:spLocks noGrp="1"/>
+          </p:cNvSpPr>
+          <p:nvPr>
+            <p:ph idx="1"/>
+          </p:nvPr>
+        </p:nvSpPr>
+        <p:spPr>
+          <a:xfrm>
+            <a:off x="4800600" y="731520"/>
+            <a:ext cx="6492240" cy="5257800"/>
+          </a:xfrm>
+        </p:spPr>
+        <p:txBody>
+          <a:bodyPr/>
+          <a:lstStyle/>
+          <a:p>
+            <a:pPr lvl="0"/>
+            <a:r>
+              <a:rPr lang="en-US" smtClean="0"/>
+              <a:t>Click to edit Master text styles</a:t>
+            </a:r>
+          </a:p>
+          <a:p>
+            <a:pPr lvl="1"/>
+            <a:r>
+              <a:rPr lang="en-US" smtClean="0"/>
+              <a:t>Second level</a:t>
+            </a:r>
+          </a:p>
+          <a:p>
+            <a:pPr lvl="2"/>
+            <a:r>
+              <a:rPr lang="en-US" smtClean="0"/>
+              <a:t>Third level</a:t>
+            </a:r>
+          </a:p>
+          <a:p>
+            <a:pPr lvl="3"/>
+            <a:r>
+              <a:rPr lang="en-US" smtClean="0"/>
+              <a:t>Fourth level</a:t>
+            </a:r>
+          </a:p>
+          <a:p>
+            <a:pPr lvl="4"/>
+            <a:r>
+              <a:rPr lang="en-US" smtClean="0"/>
+              <a:t>Fifth level</a:t>
+            </a:r>
+            <a:endParaRPr lang="en-US" dirty="0"/>
+          </a:p>
+        </p:txBody>
+      </p:sp>
+      <p:sp>
+        <p:nvSpPr>
+          <p:cNvPr id="4" name="Text Placeholder 3"/>
+          <p:cNvSpPr>
+            <a:spLocks noGrp="1"/>
+          </p:cNvSpPr>
+          <p:nvPr>
+            <p:ph type="body" sz="half" idx="2"/>
+          </p:nvPr>
+        </p:nvSpPr>
+        <p:spPr>
+          <a:xfrm>
+            <a:off x="457200" y="2926080"/>
+            <a:ext cx="3200400" cy="3379124"/>
+          </a:xfrm>
+        </p:spPr>
+        <p:txBody>
+          <a:bodyPr lIns="91440" rIns="91440">
+            <a:normAutofit/>
+          </a:bodyPr>
+          <a:lstStyle>
+            <a:lvl1pPr marL="0" indent="0">
+              <a:buNone/>
+              <a:defRPr sz="1500">
+                <a:solidFill>
+                  <a:srgbClr val="FFFFFF"/>
+                </a:solidFill>
+              </a:defRPr>
+            </a:lvl1pPr>
+            <a:lvl2pPr marL="457200" indent="0">
+              <a:buNone/>
+              <a:defRPr sz="1200"/>
+            </a:lvl2pPr>
+            <a:lvl3pPr marL="914400" indent="0">
+              <a:buNone/>
+              <a:defRPr sz="1000"/>
+            </a:lvl3pPr>
+            <a:lvl4pPr marL="1371600" indent="0">
+              <a:buNone/>
+              <a:defRPr sz="900"/>
+            </a:lvl4pPr>
+            <a:lvl5pPr marL="1828800" indent="0">
+              <a:buNone/>
+              <a:defRPr sz="900"/>
+            </a:lvl5pPr>
+            <a:lvl6pPr marL="2286000" indent="0">
+              <a:buNone/>
+              <a:defRPr sz="900"/>
+            </a:lvl6pPr>
+            <a:lvl7pPr marL="2743200" indent="0">
+              <a:buNone/>
+              <a:defRPr sz="900"/>
+            </a:lvl7pPr>
+            <a:lvl8pPr marL="3200400" indent="0">
+              <a:buNone/>
+              <a:defRPr sz="900"/>
+            </a:lvl8pPr>
+            <a:lvl9pPr marL="3657600" indent="0">
+              <a:buNone/>
+              <a:defRPr sz="900"/>
+            </a:lvl9pPr>
+          </a:lstStyle>
+          <a:p>
+            <a:pPr lvl="0"/>
+            <a:r>
+              <a:rPr lang="en-US" smtClean="0"/>
+              <a:t>Click to edit Master text styles</a:t>
+            </a:r>
+          </a:p>
+        </p:txBody>
+      </p:sp>
+      <p:sp>
+        <p:nvSpPr>
+          <p:cNvPr id="5" name="Date Placeholder 4"/>
+          <p:cNvSpPr>
+            <a:spLocks noGrp="1"/>
+          </p:cNvSpPr>
+          <p:nvPr>
+            <p:ph type="dt" sz="half" idx="10"/>
+          </p:nvPr>
+        </p:nvSpPr>
+        <p:spPr>
+          <a:xfrm>
+            <a:off x="465512" y="6459785"/>
+            <a:ext cx="2618510" cy="365125"/>
+          </a:xfrm>
+        </p:spPr>
+        <p:txBody>
+          <a:bodyPr/>
+          <a:lstStyle>
+            <a:lvl1pPr algn="l">
+              <a:defRPr/>
+            </a:lvl1pPr>
+          </a:lstStyle>
+          <a:p>
+            <a:fld id="{91025132-E6C1-46E6-8173-FBEEFA965F72}" type="datetimeFigureOut">
+              <a:rPr lang="en-US" smtClean="0"/>
+              <a:t>2/12/2018</a:t>
+            </a:fld>
             <a:endParaRPr lang="en-US"/>
           </a:p>
         </p:txBody>
       </p:sp>
       <p:sp>
         <p:nvSpPr>
-          <p:cNvPr id="3" name="Content Placeholder 2"/>
-          <p:cNvSpPr>
-            <a:spLocks noGrp="1"/>
-          </p:cNvSpPr>
-          <p:nvPr>
-            <p:ph idx="1"/>
-          </p:nvPr>
-        </p:nvSpPr>
-        <p:spPr>
-          <a:xfrm>
-            <a:off x="5183188" y="987425"/>
-            <a:ext cx="6172200" cy="4873625"/>
-          </a:xfrm>
-        </p:spPr>
+          <p:cNvPr id="6" name="Footer Placeholder 5"/>
+          <p:cNvSpPr>
+            <a:spLocks noGrp="1"/>
+          </p:cNvSpPr>
+          <p:nvPr>
+            <p:ph type="ftr" sz="quarter" idx="11"/>
+          </p:nvPr>
+        </p:nvSpPr>
+        <p:spPr>
+          <a:xfrm>
+            <a:off x="4800600" y="6459785"/>
+            <a:ext cx="4648200" cy="365125"/>
+          </a:xfrm>
+        </p:spPr>
+        <p:txBody>
+          <a:bodyPr/>
+          <a:lstStyle>
+            <a:lvl1pPr algn="l">
+              <a:defRPr>
+                <a:solidFill>
+                  <a:schemeClr val="tx2"/>
+                </a:solidFill>
+              </a:defRPr>
+            </a:lvl1pPr>
+          </a:lstStyle>
+          <a:p>
+            <a:endParaRPr lang="en-US"/>
+          </a:p>
+        </p:txBody>
+      </p:sp>
+      <p:sp>
+        <p:nvSpPr>
+          <p:cNvPr id="7" name="Slide Number Placeholder 6"/>
+          <p:cNvSpPr>
+            <a:spLocks noGrp="1"/>
+          </p:cNvSpPr>
+          <p:nvPr>
+            <p:ph type="sldNum" sz="quarter" idx="12"/>
+          </p:nvPr>
+        </p:nvSpPr>
+        <p:spPr/>
         <p:txBody>
           <a:bodyPr/>
           <a:lstStyle>
             <a:lvl1pPr>
-              <a:defRPr sz="3200"/>
+              <a:defRPr>
+                <a:solidFill>
+                  <a:schemeClr val="tx2"/>
+                </a:solidFill>
+              </a:defRPr>
             </a:lvl1pPr>
-            <a:lvl2pPr>
-              <a:defRPr sz="2800"/>
-            </a:lvl2pPr>
-            <a:lvl3pPr>
-              <a:defRPr sz="2400"/>
-            </a:lvl3pPr>
-            <a:lvl4pPr>
-              <a:defRPr sz="2000"/>
-            </a:lvl4pPr>
-            <a:lvl5pPr>
-              <a:defRPr sz="2000"/>
-            </a:lvl5pPr>
-            <a:lvl6pPr>
-              <a:defRPr sz="2000"/>
-            </a:lvl6pPr>
-            <a:lvl7pPr>
-              <a:defRPr sz="2000"/>
-            </a:lvl7pPr>
-            <a:lvl8pPr>
-              <a:defRPr sz="2000"/>
-            </a:lvl8pPr>
-            <a:lvl9pPr>
-              <a:defRPr sz="2000"/>
-            </a:lvl9pPr>
           </a:lstStyle>
-          <a:p>
-            <a:pPr lvl="0"/>
-            <a:r>
-              <a:rPr lang="en-US" smtClean="0"/>
-              <a:t>Click to edit Master text styles</a:t>
-            </a:r>
-          </a:p>
-          <a:p>
-            <a:pPr lvl="1"/>
-            <a:r>
-              <a:rPr lang="en-US" smtClean="0"/>
-              <a:t>Second level</a:t>
-            </a:r>
-          </a:p>
-          <a:p>
-            <a:pPr lvl="2"/>
-            <a:r>
-              <a:rPr lang="en-US" smtClean="0"/>
-              <a:t>Third level</a:t>
-            </a:r>
-          </a:p>
-          <a:p>
-            <a:pPr lvl="3"/>
-            <a:r>
-              <a:rPr lang="en-US" smtClean="0"/>
-              <a:t>Fourth level</a:t>
-            </a:r>
-          </a:p>
-          <a:p>
-            <a:pPr lvl="4"/>
-            <a:r>
-              <a:rPr lang="en-US" smtClean="0"/>
-              <a:t>Fifth level</a:t>
-            </a:r>
-            <a:endParaRPr lang="en-US"/>
-          </a:p>
-        </p:txBody>
-      </p:sp>
-      <p:sp>
-        <p:nvSpPr>
-          <p:cNvPr id="4" name="Text Placeholder 3"/>
-          <p:cNvSpPr>
-            <a:spLocks noGrp="1"/>
-          </p:cNvSpPr>
-          <p:nvPr>
-            <p:ph type="body" sz="half" idx="2"/>
-          </p:nvPr>
-        </p:nvSpPr>
-        <p:spPr>
-          <a:xfrm>
-            <a:off x="839788" y="2057400"/>
-            <a:ext cx="3932237" cy="3811588"/>
-          </a:xfrm>
-        </p:spPr>
-        <p:txBody>
-          <a:bodyPr/>
-          <a:lstStyle>
-            <a:lvl1pPr marL="0" indent="0">
-              <a:buNone/>
-              <a:defRPr sz="1600"/>
-            </a:lvl1pPr>
-            <a:lvl2pPr marL="457200" indent="0">
-              <a:buNone/>
-              <a:defRPr sz="1400"/>
-            </a:lvl2pPr>
-            <a:lvl3pPr marL="914400" indent="0">
-              <a:buNone/>
-              <a:defRPr sz="1200"/>
-            </a:lvl3pPr>
-            <a:lvl4pPr marL="1371600" indent="0">
-              <a:buNone/>
-              <a:defRPr sz="1000"/>
-            </a:lvl4pPr>
-            <a:lvl5pPr marL="1828800" indent="0">
-              <a:buNone/>
-              <a:defRPr sz="1000"/>
-            </a:lvl5pPr>
-            <a:lvl6pPr marL="2286000" indent="0">
-              <a:buNone/>
-              <a:defRPr sz="1000"/>
-            </a:lvl6pPr>
-            <a:lvl7pPr marL="2743200" indent="0">
-              <a:buNone/>
-              <a:defRPr sz="1000"/>
-            </a:lvl7pPr>
-            <a:lvl8pPr marL="3200400" indent="0">
-              <a:buNone/>
-              <a:defRPr sz="1000"/>
-            </a:lvl8pPr>
-            <a:lvl9pPr marL="3657600" indent="0">
-              <a:buNone/>
-              <a:defRPr sz="1000"/>
-            </a:lvl9pPr>
-          </a:lstStyle>
-          <a:p>
-            <a:pPr lvl="0"/>
-            <a:r>
-              <a:rPr lang="en-US" smtClean="0"/>
-              <a:t>Click to edit Master text styles</a:t>
-            </a:r>
-          </a:p>
-        </p:txBody>
-      </p:sp>
-      <p:sp>
-        <p:nvSpPr>
-          <p:cNvPr id="5" name="Date Placeholder 4"/>
-          <p:cNvSpPr>
-            <a:spLocks noGrp="1"/>
-          </p:cNvSpPr>
-          <p:nvPr>
-            <p:ph type="dt" sz="half" idx="10"/>
-          </p:nvPr>
-        </p:nvSpPr>
-        <p:spPr/>
-        <p:txBody>
-          <a:bodyPr/>
-          <a:lstStyle/>
-          <a:p>
-            <a:fld id="{91025132-E6C1-46E6-8173-FBEEFA965F72}" type="datetimeFigureOut">
-              <a:rPr lang="en-US" smtClean="0"/>
-              <a:t>2/10/2018</a:t>
-            </a:fld>
-            <a:endParaRPr lang="en-US"/>
-          </a:p>
-        </p:txBody>
-      </p:sp>
-      <p:sp>
-        <p:nvSpPr>
-          <p:cNvPr id="6" name="Footer Placeholder 5"/>
-          <p:cNvSpPr>
-            <a:spLocks noGrp="1"/>
-          </p:cNvSpPr>
-          <p:nvPr>
-            <p:ph type="ftr" sz="quarter" idx="11"/>
-          </p:nvPr>
-        </p:nvSpPr>
-        <p:spPr/>
-        <p:txBody>
-          <a:bodyPr/>
-          <a:lstStyle/>
-          <a:p>
-            <a:endParaRPr lang="en-US"/>
-          </a:p>
-        </p:txBody>
-      </p:sp>
-      <p:sp>
-        <p:nvSpPr>
-          <p:cNvPr id="7" name="Slide Number Placeholder 6"/>
-          <p:cNvSpPr>
-            <a:spLocks noGrp="1"/>
-          </p:cNvSpPr>
-          <p:nvPr>
-            <p:ph type="sldNum" sz="quarter" idx="12"/>
-          </p:nvPr>
-        </p:nvSpPr>
-        <p:spPr/>
-        <p:txBody>
-          <a:bodyPr/>
-          <a:lstStyle/>
           <a:p>
             <a:fld id="{AF283FAC-FBD0-4B47-B0F6-08E301ED62CC}" type="slidenum">
               <a:rPr lang="en-US" smtClean="0"/>
@@ -2163,7 +2704,7 @@
     </p:spTree>
     <p:extLst>
       <p:ext uri="{BB962C8B-B14F-4D97-AF65-F5344CB8AC3E}">
-        <p14:creationId xmlns:p14="http://schemas.microsoft.com/office/powerpoint/2010/main" val="2597791829"/>
+        <p14:creationId xmlns:p14="http://schemas.microsoft.com/office/powerpoint/2010/main" val="4152247804"/>
       </p:ext>
     </p:extLst>
   </p:cSld>
@@ -2174,7 +2715,7 @@
 </file>
 
 <file path=ppt/slideLayouts/slideLayout9.xml><?xml version="1.0" encoding="utf-8"?>
-<p:sldLayout xmlns:a="http://schemas.openxmlformats.org/drawingml/2006/main" xmlns:r="http://schemas.openxmlformats.org/officeDocument/2006/relationships" xmlns:p="http://schemas.openxmlformats.org/presentationml/2006/main" type="picTx" preserve="1">
+<p:sldLayout xmlns:a="http://schemas.openxmlformats.org/drawingml/2006/main" xmlns:r="http://schemas.openxmlformats.org/officeDocument/2006/relationships" xmlns:p="http://schemas.openxmlformats.org/presentationml/2006/main" showMasterSp="0" type="picTx" preserve="1">
   <p:cSld name="Picture with Caption">
     <p:spTree>
       <p:nvGrpSpPr>
@@ -2192,6 +2733,82 @@
       </p:grpSpPr>
       <p:sp>
         <p:nvSpPr>
+          <p:cNvPr id="8" name="Rectangle 7"/>
+          <p:cNvSpPr/>
+          <p:nvPr/>
+        </p:nvSpPr>
+        <p:spPr>
+          <a:xfrm>
+            <a:off x="0" y="4953000"/>
+            <a:ext cx="12188825" cy="1905000"/>
+          </a:xfrm>
+          <a:prstGeom prst="rect">
+            <a:avLst/>
+          </a:prstGeom>
+          <a:solidFill>
+            <a:schemeClr val="accent2"/>
+          </a:solidFill>
+          <a:ln>
+            <a:noFill/>
+          </a:ln>
+        </p:spPr>
+        <p:style>
+          <a:lnRef idx="2">
+            <a:schemeClr val="accent1">
+              <a:shade val="50000"/>
+            </a:schemeClr>
+          </a:lnRef>
+          <a:fillRef idx="1">
+            <a:schemeClr val="accent1"/>
+          </a:fillRef>
+          <a:effectRef idx="0">
+            <a:schemeClr val="accent1"/>
+          </a:effectRef>
+          <a:fontRef idx="minor">
+            <a:schemeClr val="lt1"/>
+          </a:fontRef>
+        </p:style>
+      </p:sp>
+      <p:sp>
+        <p:nvSpPr>
+          <p:cNvPr id="9" name="Rectangle 8"/>
+          <p:cNvSpPr/>
+          <p:nvPr/>
+        </p:nvSpPr>
+        <p:spPr>
+          <a:xfrm>
+            <a:off x="15" y="4915076"/>
+            <a:ext cx="12188825" cy="64008"/>
+          </a:xfrm>
+          <a:prstGeom prst="rect">
+            <a:avLst/>
+          </a:prstGeom>
+          <a:solidFill>
+            <a:schemeClr val="accent1"/>
+          </a:solidFill>
+          <a:ln>
+            <a:noFill/>
+          </a:ln>
+        </p:spPr>
+        <p:style>
+          <a:lnRef idx="2">
+            <a:schemeClr val="accent1">
+              <a:shade val="50000"/>
+            </a:schemeClr>
+          </a:lnRef>
+          <a:fillRef idx="1">
+            <a:schemeClr val="accent1"/>
+          </a:fillRef>
+          <a:effectRef idx="0">
+            <a:schemeClr val="accent1"/>
+          </a:effectRef>
+          <a:fontRef idx="minor">
+            <a:schemeClr val="lt1"/>
+          </a:fontRef>
+        </p:style>
+      </p:sp>
+      <p:sp>
+        <p:nvSpPr>
           <p:cNvPr id="2" name="Title 1"/>
           <p:cNvSpPr>
             <a:spLocks noGrp="1"/>
@@ -2202,15 +2819,21 @@
         </p:nvSpPr>
         <p:spPr>
           <a:xfrm>
-            <a:off x="839788" y="457200"/>
-            <a:ext cx="3932237" cy="1600200"/>
-          </a:xfrm>
-        </p:spPr>
-        <p:txBody>
-          <a:bodyPr anchor="b"/>
+            <a:off x="1097280" y="5074920"/>
+            <a:ext cx="10113645" cy="822960"/>
+          </a:xfrm>
+        </p:spPr>
+        <p:txBody>
+          <a:bodyPr tIns="0" bIns="0" anchor="b">
+            <a:noAutofit/>
+          </a:bodyPr>
           <a:lstStyle>
             <a:lvl1pPr>
-              <a:defRPr sz="3200"/>
+              <a:defRPr sz="3600" b="0">
+                <a:solidFill>
+                  <a:srgbClr val="FFFFFF"/>
+                </a:solidFill>
+              </a:defRPr>
             </a:lvl1pPr>
           </a:lstStyle>
           <a:p>
@@ -2218,7 +2841,7 @@
               <a:rPr lang="en-US" smtClean="0"/>
               <a:t>Click to edit Master title style</a:t>
             </a:r>
-            <a:endParaRPr lang="en-US"/>
+            <a:endParaRPr lang="en-US" dirty="0"/>
           </a:p>
         </p:txBody>
       </p:sp>
@@ -2226,7 +2849,7 @@
         <p:nvSpPr>
           <p:cNvPr id="3" name="Picture Placeholder 2"/>
           <p:cNvSpPr>
-            <a:spLocks noGrp="1"/>
+            <a:spLocks noGrp="1" noChangeAspect="1"/>
           </p:cNvSpPr>
           <p:nvPr>
             <p:ph type="pic" idx="1"/>
@@ -2234,12 +2857,17 @@
         </p:nvSpPr>
         <p:spPr>
           <a:xfrm>
-            <a:off x="5183188" y="987425"/>
-            <a:ext cx="6172200" cy="4873625"/>
-          </a:xfrm>
-        </p:spPr>
-        <p:txBody>
-          <a:bodyPr/>
+            <a:off x="15" y="0"/>
+            <a:ext cx="12191985" cy="4915076"/>
+          </a:xfrm>
+          <a:solidFill>
+            <a:schemeClr val="bg2">
+              <a:lumMod val="90000"/>
+            </a:schemeClr>
+          </a:solidFill>
+        </p:spPr>
+        <p:txBody>
+          <a:bodyPr lIns="457200" tIns="457200" anchor="t"/>
           <a:lstStyle>
             <a:lvl1pPr marL="0" indent="0">
               <a:buNone/>
@@ -2279,7 +2907,11 @@
             </a:lvl9pPr>
           </a:lstStyle>
           <a:p>
-            <a:endParaRPr lang="en-US"/>
+            <a:r>
+              <a:rPr lang="en-US" smtClean="0"/>
+              <a:t>Click icon to add picture</a:t>
+            </a:r>
+            <a:endParaRPr lang="en-US" dirty="0"/>
           </a:p>
         </p:txBody>
       </p:sp>
@@ -2295,48 +2927,60 @@
         </p:nvSpPr>
         <p:spPr>
           <a:xfrm>
-            <a:off x="839788" y="2057400"/>
-            <a:ext cx="3932237" cy="3811588"/>
-          </a:xfrm>
-        </p:spPr>
-        <p:txBody>
-          <a:bodyPr/>
+            <a:off x="1097280" y="5907024"/>
+            <a:ext cx="10113264" cy="594360"/>
+          </a:xfrm>
+        </p:spPr>
+        <p:txBody>
+          <a:bodyPr lIns="91440" tIns="0" rIns="91440" bIns="0">
+            <a:normAutofit/>
+          </a:bodyPr>
           <a:lstStyle>
             <a:lvl1pPr marL="0" indent="0">
-              <a:buNone/>
-              <a:defRPr sz="1600"/>
+              <a:spcBef>
+                <a:spcPts val="0"/>
+              </a:spcBef>
+              <a:spcAft>
+                <a:spcPts val="600"/>
+              </a:spcAft>
+              <a:buNone/>
+              <a:defRPr sz="1500">
+                <a:solidFill>
+                  <a:srgbClr val="FFFFFF"/>
+                </a:solidFill>
+              </a:defRPr>
             </a:lvl1pPr>
             <a:lvl2pPr marL="457200" indent="0">
               <a:buNone/>
-              <a:defRPr sz="1400"/>
+              <a:defRPr sz="1200"/>
             </a:lvl2pPr>
             <a:lvl3pPr marL="914400" indent="0">
               <a:buNone/>
-              <a:defRPr sz="1200"/>
+              <a:defRPr sz="1000"/>
             </a:lvl3pPr>
             <a:lvl4pPr marL="1371600" indent="0">
               <a:buNone/>
-              <a:defRPr sz="1000"/>
+              <a:defRPr sz="900"/>
             </a:lvl4pPr>
             <a:lvl5pPr marL="1828800" indent="0">
               <a:buNone/>
-              <a:defRPr sz="1000"/>
+              <a:defRPr sz="900"/>
             </a:lvl5pPr>
             <a:lvl6pPr marL="2286000" indent="0">
               <a:buNone/>
-              <a:defRPr sz="1000"/>
+              <a:defRPr sz="900"/>
             </a:lvl6pPr>
             <a:lvl7pPr marL="2743200" indent="0">
               <a:buNone/>
-              <a:defRPr sz="1000"/>
+              <a:defRPr sz="900"/>
             </a:lvl7pPr>
             <a:lvl8pPr marL="3200400" indent="0">
               <a:buNone/>
-              <a:defRPr sz="1000"/>
+              <a:defRPr sz="900"/>
             </a:lvl8pPr>
             <a:lvl9pPr marL="3657600" indent="0">
               <a:buNone/>
-              <a:defRPr sz="1000"/>
+              <a:defRPr sz="900"/>
             </a:lvl9pPr>
           </a:lstStyle>
           <a:p>
@@ -2365,7 +3009,7 @@
           <a:p>
             <a:fld id="{91025132-E6C1-46E6-8173-FBEEFA965F72}" type="datetimeFigureOut">
               <a:rPr lang="en-US" smtClean="0"/>
-              <a:t>2/10/2018</a:t>
+              <a:t>2/12/2018</a:t>
             </a:fld>
             <a:endParaRPr lang="en-US"/>
           </a:p>
@@ -2416,7 +3060,7 @@
     </p:spTree>
     <p:extLst>
       <p:ext uri="{BB962C8B-B14F-4D97-AF65-F5344CB8AC3E}">
-        <p14:creationId xmlns:p14="http://schemas.microsoft.com/office/powerpoint/2010/main" val="2645758582"/>
+        <p14:creationId xmlns:p14="http://schemas.microsoft.com/office/powerpoint/2010/main" val="1604130046"/>
       </p:ext>
     </p:extLst>
   </p:cSld>
@@ -2450,127 +3094,201 @@
       </p:grpSpPr>
       <p:sp>
         <p:nvSpPr>
-          <p:cNvPr id="2" name="Title Placeholder 1"/>
-          <p:cNvSpPr>
-            <a:spLocks noGrp="1"/>
-          </p:cNvSpPr>
-          <p:nvPr>
-            <p:ph type="title"/>
-          </p:nvPr>
-        </p:nvSpPr>
-        <p:spPr>
-          <a:xfrm>
-            <a:off x="838200" y="365125"/>
-            <a:ext cx="10515600" cy="1325563"/>
+          <p:cNvPr id="7" name="Rectangle 6"/>
+          <p:cNvSpPr/>
+          <p:nvPr/>
+        </p:nvSpPr>
+        <p:spPr>
+          <a:xfrm>
+            <a:off x="3175" y="6400800"/>
+            <a:ext cx="12188825" cy="457200"/>
           </a:xfrm>
           <a:prstGeom prst="rect">
             <a:avLst/>
           </a:prstGeom>
-        </p:spPr>
-        <p:txBody>
-          <a:bodyPr vert="horz" lIns="91440" tIns="45720" rIns="91440" bIns="45720" rtlCol="0" anchor="ctr">
-            <a:normAutofit/>
-          </a:bodyPr>
-          <a:lstStyle/>
-          <a:p>
-            <a:r>
-              <a:rPr lang="en-US" smtClean="0"/>
-              <a:t>Click to edit Master title style</a:t>
-            </a:r>
-            <a:endParaRPr lang="en-US"/>
-          </a:p>
-        </p:txBody>
-      </p:sp>
-      <p:sp>
-        <p:nvSpPr>
-          <p:cNvPr id="3" name="Text Placeholder 2"/>
-          <p:cNvSpPr>
-            <a:spLocks noGrp="1"/>
-          </p:cNvSpPr>
-          <p:nvPr>
-            <p:ph type="body" idx="1"/>
-          </p:nvPr>
-        </p:nvSpPr>
-        <p:spPr>
-          <a:xfrm>
-            <a:off x="838200" y="1825625"/>
-            <a:ext cx="10515600" cy="4351338"/>
+          <a:solidFill>
+            <a:schemeClr val="accent2"/>
+          </a:solidFill>
+          <a:ln>
+            <a:noFill/>
+          </a:ln>
+        </p:spPr>
+        <p:style>
+          <a:lnRef idx="2">
+            <a:schemeClr val="accent1">
+              <a:shade val="50000"/>
+            </a:schemeClr>
+          </a:lnRef>
+          <a:fillRef idx="1">
+            <a:schemeClr val="accent1"/>
+          </a:fillRef>
+          <a:effectRef idx="0">
+            <a:schemeClr val="accent1"/>
+          </a:effectRef>
+          <a:fontRef idx="minor">
+            <a:schemeClr val="lt1"/>
+          </a:fontRef>
+        </p:style>
+      </p:sp>
+      <p:sp>
+        <p:nvSpPr>
+          <p:cNvPr id="9" name="Rectangle 8"/>
+          <p:cNvSpPr/>
+          <p:nvPr/>
+        </p:nvSpPr>
+        <p:spPr>
+          <a:xfrm>
+            <a:off x="15" y="6334316"/>
+            <a:ext cx="12188825" cy="64008"/>
           </a:xfrm>
           <a:prstGeom prst="rect">
             <a:avLst/>
           </a:prstGeom>
-        </p:spPr>
-        <p:txBody>
-          <a:bodyPr vert="horz" lIns="91440" tIns="45720" rIns="91440" bIns="45720" rtlCol="0">
-            <a:normAutofit/>
-          </a:bodyPr>
-          <a:lstStyle/>
-          <a:p>
-            <a:pPr lvl="0"/>
-            <a:r>
-              <a:rPr lang="en-US" smtClean="0"/>
-              <a:t>Click to edit Master text styles</a:t>
-            </a:r>
-          </a:p>
-          <a:p>
-            <a:pPr lvl="1"/>
-            <a:r>
-              <a:rPr lang="en-US" smtClean="0"/>
-              <a:t>Second level</a:t>
-            </a:r>
-          </a:p>
-          <a:p>
-            <a:pPr lvl="2"/>
-            <a:r>
-              <a:rPr lang="en-US" smtClean="0"/>
-              <a:t>Third level</a:t>
-            </a:r>
-          </a:p>
-          <a:p>
-            <a:pPr lvl="3"/>
-            <a:r>
-              <a:rPr lang="en-US" smtClean="0"/>
-              <a:t>Fourth level</a:t>
-            </a:r>
-          </a:p>
-          <a:p>
-            <a:pPr lvl="4"/>
-            <a:r>
-              <a:rPr lang="en-US" smtClean="0"/>
-              <a:t>Fifth level</a:t>
-            </a:r>
-            <a:endParaRPr lang="en-US"/>
-          </a:p>
-        </p:txBody>
-      </p:sp>
-      <p:sp>
-        <p:nvSpPr>
-          <p:cNvPr id="4" name="Date Placeholder 3"/>
-          <p:cNvSpPr>
-            <a:spLocks noGrp="1"/>
-          </p:cNvSpPr>
-          <p:nvPr>
-            <p:ph type="dt" sz="half" idx="2"/>
-          </p:nvPr>
-        </p:nvSpPr>
-        <p:spPr>
-          <a:xfrm>
-            <a:off x="838200" y="6356350"/>
-            <a:ext cx="2743200" cy="365125"/>
+          <a:solidFill>
+            <a:schemeClr val="accent1"/>
+          </a:solidFill>
+          <a:ln>
+            <a:noFill/>
+          </a:ln>
+        </p:spPr>
+        <p:style>
+          <a:lnRef idx="2">
+            <a:schemeClr val="accent1">
+              <a:shade val="50000"/>
+            </a:schemeClr>
+          </a:lnRef>
+          <a:fillRef idx="1">
+            <a:schemeClr val="accent1"/>
+          </a:fillRef>
+          <a:effectRef idx="0">
+            <a:schemeClr val="accent1"/>
+          </a:effectRef>
+          <a:fontRef idx="minor">
+            <a:schemeClr val="lt1"/>
+          </a:fontRef>
+        </p:style>
+      </p:sp>
+      <p:sp>
+        <p:nvSpPr>
+          <p:cNvPr id="2" name="Title Placeholder 1"/>
+          <p:cNvSpPr>
+            <a:spLocks noGrp="1"/>
+          </p:cNvSpPr>
+          <p:nvPr>
+            <p:ph type="title"/>
+          </p:nvPr>
+        </p:nvSpPr>
+        <p:spPr>
+          <a:xfrm>
+            <a:off x="1097280" y="286603"/>
+            <a:ext cx="10058400" cy="1450757"/>
           </a:xfrm>
           <a:prstGeom prst="rect">
             <a:avLst/>
           </a:prstGeom>
         </p:spPr>
         <p:txBody>
+          <a:bodyPr vert="horz" lIns="91440" tIns="45720" rIns="91440" bIns="45720" rtlCol="0" anchor="b">
+            <a:normAutofit/>
+          </a:bodyPr>
+          <a:lstStyle/>
+          <a:p>
+            <a:r>
+              <a:rPr lang="en-US" smtClean="0"/>
+              <a:t>Click to edit Master title style</a:t>
+            </a:r>
+            <a:endParaRPr lang="en-US" dirty="0"/>
+          </a:p>
+        </p:txBody>
+      </p:sp>
+      <p:sp>
+        <p:nvSpPr>
+          <p:cNvPr id="3" name="Text Placeholder 2"/>
+          <p:cNvSpPr>
+            <a:spLocks noGrp="1"/>
+          </p:cNvSpPr>
+          <p:nvPr>
+            <p:ph type="body" idx="1"/>
+          </p:nvPr>
+        </p:nvSpPr>
+        <p:spPr>
+          <a:xfrm>
+            <a:off x="1097280" y="1845734"/>
+            <a:ext cx="10058400" cy="4023360"/>
+          </a:xfrm>
+          <a:prstGeom prst="rect">
+            <a:avLst/>
+          </a:prstGeom>
+        </p:spPr>
+        <p:txBody>
+          <a:bodyPr vert="horz" lIns="0" tIns="45720" rIns="0" bIns="45720" rtlCol="0">
+            <a:normAutofit/>
+          </a:bodyPr>
+          <a:lstStyle/>
+          <a:p>
+            <a:pPr lvl="0"/>
+            <a:r>
+              <a:rPr lang="en-US" smtClean="0"/>
+              <a:t>Click to edit Master text styles</a:t>
+            </a:r>
+          </a:p>
+          <a:p>
+            <a:pPr lvl="1"/>
+            <a:r>
+              <a:rPr lang="en-US" smtClean="0"/>
+              <a:t>Second level</a:t>
+            </a:r>
+          </a:p>
+          <a:p>
+            <a:pPr lvl="2"/>
+            <a:r>
+              <a:rPr lang="en-US" smtClean="0"/>
+              <a:t>Third level</a:t>
+            </a:r>
+          </a:p>
+          <a:p>
+            <a:pPr lvl="3"/>
+            <a:r>
+              <a:rPr lang="en-US" smtClean="0"/>
+              <a:t>Fourth level</a:t>
+            </a:r>
+          </a:p>
+          <a:p>
+            <a:pPr lvl="4"/>
+            <a:r>
+              <a:rPr lang="en-US" smtClean="0"/>
+              <a:t>Fifth level</a:t>
+            </a:r>
+            <a:endParaRPr lang="en-US" dirty="0"/>
+          </a:p>
+        </p:txBody>
+      </p:sp>
+      <p:sp>
+        <p:nvSpPr>
+          <p:cNvPr id="4" name="Date Placeholder 3"/>
+          <p:cNvSpPr>
+            <a:spLocks noGrp="1"/>
+          </p:cNvSpPr>
+          <p:nvPr>
+            <p:ph type="dt" sz="half" idx="2"/>
+          </p:nvPr>
+        </p:nvSpPr>
+        <p:spPr>
+          <a:xfrm>
+            <a:off x="1097280" y="6459785"/>
+            <a:ext cx="2472271" cy="365125"/>
+          </a:xfrm>
+          <a:prstGeom prst="rect">
+            <a:avLst/>
+          </a:prstGeom>
+        </p:spPr>
+        <p:txBody>
           <a:bodyPr vert="horz" lIns="91440" tIns="45720" rIns="91440" bIns="45720" rtlCol="0" anchor="ctr"/>
           <a:lstStyle>
             <a:lvl1pPr algn="l">
-              <a:defRPr sz="1200">
+              <a:defRPr sz="900">
                 <a:solidFill>
-                  <a:schemeClr val="tx1">
-                    <a:tint val="75000"/>
-                  </a:schemeClr>
+                  <a:srgbClr val="FFFFFF"/>
                 </a:solidFill>
               </a:defRPr>
             </a:lvl1pPr>
@@ -2578,7 +3296,7 @@
           <a:p>
             <a:fld id="{91025132-E6C1-46E6-8173-FBEEFA965F72}" type="datetimeFigureOut">
               <a:rPr lang="en-US" smtClean="0"/>
-              <a:t>2/10/2018</a:t>
+              <a:t>2/12/2018</a:t>
             </a:fld>
             <a:endParaRPr lang="en-US"/>
           </a:p>
@@ -2596,8 +3314,8 @@
         </p:nvSpPr>
         <p:spPr>
           <a:xfrm>
-            <a:off x="4038600" y="6356350"/>
-            <a:ext cx="4114800" cy="365125"/>
+            <a:off x="3686185" y="6459785"/>
+            <a:ext cx="4822804" cy="365125"/>
           </a:xfrm>
           <a:prstGeom prst="rect">
             <a:avLst/>
@@ -2607,11 +3325,9 @@
           <a:bodyPr vert="horz" lIns="91440" tIns="45720" rIns="91440" bIns="45720" rtlCol="0" anchor="ctr"/>
           <a:lstStyle>
             <a:lvl1pPr algn="ctr">
-              <a:defRPr sz="1200">
+              <a:defRPr sz="900" cap="all" baseline="0">
                 <a:solidFill>
-                  <a:schemeClr val="tx1">
-                    <a:tint val="75000"/>
-                  </a:schemeClr>
+                  <a:srgbClr val="FFFFFF"/>
                 </a:solidFill>
               </a:defRPr>
             </a:lvl1pPr>
@@ -2633,8 +3349,8 @@
         </p:nvSpPr>
         <p:spPr>
           <a:xfrm>
-            <a:off x="8610600" y="6356350"/>
-            <a:ext cx="2743200" cy="365125"/>
+            <a:off x="9900458" y="6459785"/>
+            <a:ext cx="1312025" cy="365125"/>
           </a:xfrm>
           <a:prstGeom prst="rect">
             <a:avLst/>
@@ -2644,11 +3360,9 @@
           <a:bodyPr vert="horz" lIns="91440" tIns="45720" rIns="91440" bIns="45720" rtlCol="0" anchor="ctr"/>
           <a:lstStyle>
             <a:lvl1pPr algn="r">
-              <a:defRPr sz="1200">
+              <a:defRPr sz="1050">
                 <a:solidFill>
-                  <a:schemeClr val="tx1">
-                    <a:tint val="75000"/>
-                  </a:schemeClr>
+                  <a:srgbClr val="FFFFFF"/>
                 </a:solidFill>
               </a:defRPr>
             </a:lvl1pPr>
@@ -2662,40 +3376,81 @@
           </a:p>
         </p:txBody>
       </p:sp>
+      <p:cxnSp>
+        <p:nvCxnSpPr>
+          <p:cNvPr id="10" name="Straight Connector 9"/>
+          <p:cNvCxnSpPr/>
+          <p:nvPr/>
+        </p:nvCxnSpPr>
+        <p:spPr>
+          <a:xfrm>
+            <a:off x="1193532" y="1737845"/>
+            <a:ext cx="9966960" cy="0"/>
+          </a:xfrm>
+          <a:prstGeom prst="line">
+            <a:avLst/>
+          </a:prstGeom>
+          <a:ln w="6350">
+            <a:solidFill>
+              <a:schemeClr val="tx1">
+                <a:lumMod val="50000"/>
+                <a:lumOff val="50000"/>
+              </a:schemeClr>
+            </a:solidFill>
+          </a:ln>
+        </p:spPr>
+        <p:style>
+          <a:lnRef idx="1">
+            <a:schemeClr val="accent1"/>
+          </a:lnRef>
+          <a:fillRef idx="0">
+            <a:schemeClr val="accent1"/>
+          </a:fillRef>
+          <a:effectRef idx="0">
+            <a:schemeClr val="accent1"/>
+          </a:effectRef>
+          <a:fontRef idx="minor">
+            <a:schemeClr val="tx1"/>
+          </a:fontRef>
+        </p:style>
+      </p:cxnSp>
     </p:spTree>
     <p:extLst>
       <p:ext uri="{BB962C8B-B14F-4D97-AF65-F5344CB8AC3E}">
-        <p14:creationId xmlns:p14="http://schemas.microsoft.com/office/powerpoint/2010/main" val="2122118160"/>
+        <p14:creationId xmlns:p14="http://schemas.microsoft.com/office/powerpoint/2010/main" val="2811164754"/>
       </p:ext>
     </p:extLst>
   </p:cSld>
   <p:clrMap bg1="lt1" tx1="dk1" bg2="lt2" tx2="dk2" accent1="accent1" accent2="accent2" accent3="accent3" accent4="accent4" accent5="accent5" accent6="accent6" hlink="hlink" folHlink="folHlink"/>
   <p:sldLayoutIdLst>
-    <p:sldLayoutId id="2147483649" r:id="rId1"/>
-    <p:sldLayoutId id="2147483650" r:id="rId2"/>
-    <p:sldLayoutId id="2147483651" r:id="rId3"/>
-    <p:sldLayoutId id="2147483652" r:id="rId4"/>
-    <p:sldLayoutId id="2147483653" r:id="rId5"/>
-    <p:sldLayoutId id="2147483654" r:id="rId6"/>
-    <p:sldLayoutId id="2147483655" r:id="rId7"/>
-    <p:sldLayoutId id="2147483656" r:id="rId8"/>
-    <p:sldLayoutId id="2147483657" r:id="rId9"/>
-    <p:sldLayoutId id="2147483658" r:id="rId10"/>
-    <p:sldLayoutId id="2147483659" r:id="rId11"/>
+    <p:sldLayoutId id="2147483731" r:id="rId1"/>
+    <p:sldLayoutId id="2147483732" r:id="rId2"/>
+    <p:sldLayoutId id="2147483733" r:id="rId3"/>
+    <p:sldLayoutId id="2147483734" r:id="rId4"/>
+    <p:sldLayoutId id="2147483735" r:id="rId5"/>
+    <p:sldLayoutId id="2147483736" r:id="rId6"/>
+    <p:sldLayoutId id="2147483737" r:id="rId7"/>
+    <p:sldLayoutId id="2147483738" r:id="rId8"/>
+    <p:sldLayoutId id="2147483739" r:id="rId9"/>
+    <p:sldLayoutId id="2147483740" r:id="rId10"/>
+    <p:sldLayoutId id="2147483741" r:id="rId11"/>
   </p:sldLayoutIdLst>
   <p:txStyles>
     <p:titleStyle>
       <a:lvl1pPr algn="l" defTabSz="914400" rtl="0" eaLnBrk="1" latinLnBrk="0" hangingPunct="1">
         <a:lnSpc>
-          <a:spcPct val="90000"/>
+          <a:spcPct val="85000"/>
         </a:lnSpc>
         <a:spcBef>
           <a:spcPct val="0"/>
         </a:spcBef>
         <a:buNone/>
-        <a:defRPr sz="4400" kern="1200">
+        <a:defRPr sz="4800" kern="1200" spc="-50" baseline="0">
           <a:solidFill>
-            <a:schemeClr val="tx1"/>
+            <a:schemeClr val="tx1">
+              <a:lumMod val="75000"/>
+              <a:lumOff val="25000"/>
+            </a:schemeClr>
           </a:solidFill>
           <a:latin typeface="+mj-lt"/>
           <a:ea typeface="+mj-ea"/>
@@ -2704,162 +3459,244 @@
       </a:lvl1pPr>
     </p:titleStyle>
     <p:bodyStyle>
-      <a:lvl1pPr marL="228600" indent="-228600" algn="l" defTabSz="914400" rtl="0" eaLnBrk="1" latinLnBrk="0" hangingPunct="1">
+      <a:lvl1pPr marL="91440" indent="-91440" algn="l" defTabSz="914400" rtl="0" eaLnBrk="1" latinLnBrk="0" hangingPunct="1">
         <a:lnSpc>
           <a:spcPct val="90000"/>
         </a:lnSpc>
         <a:spcBef>
-          <a:spcPts val="1000"/>
+          <a:spcPts val="1200"/>
         </a:spcBef>
-        <a:buFont typeface="Arial" panose="020B0604020202020204" pitchFamily="34" charset="0"/>
-        <a:buChar char="•"/>
-        <a:defRPr sz="2800" kern="1200">
+        <a:spcAft>
+          <a:spcPts val="200"/>
+        </a:spcAft>
+        <a:buClr>
+          <a:schemeClr val="accent1"/>
+        </a:buClr>
+        <a:buSzPct val="100000"/>
+        <a:buFont typeface="Calibri" panose="020F0502020204030204" pitchFamily="34" charset="0"/>
+        <a:buChar char=" "/>
+        <a:defRPr sz="2000" kern="1200">
           <a:solidFill>
-            <a:schemeClr val="tx1"/>
+            <a:schemeClr val="tx1">
+              <a:lumMod val="75000"/>
+              <a:lumOff val="25000"/>
+            </a:schemeClr>
           </a:solidFill>
           <a:latin typeface="+mn-lt"/>
           <a:ea typeface="+mn-ea"/>
           <a:cs typeface="+mn-cs"/>
         </a:defRPr>
       </a:lvl1pPr>
-      <a:lvl2pPr marL="685800" indent="-228600" algn="l" defTabSz="914400" rtl="0" eaLnBrk="1" latinLnBrk="0" hangingPunct="1">
+      <a:lvl2pPr marL="384048" indent="-182880" algn="l" defTabSz="914400" rtl="0" eaLnBrk="1" latinLnBrk="0" hangingPunct="1">
         <a:lnSpc>
           <a:spcPct val="90000"/>
         </a:lnSpc>
         <a:spcBef>
-          <a:spcPts val="500"/>
+          <a:spcPts val="200"/>
         </a:spcBef>
-        <a:buFont typeface="Arial" panose="020B0604020202020204" pitchFamily="34" charset="0"/>
-        <a:buChar char="•"/>
-        <a:defRPr sz="2400" kern="1200">
+        <a:spcAft>
+          <a:spcPts val="400"/>
+        </a:spcAft>
+        <a:buClr>
+          <a:schemeClr val="accent1"/>
+        </a:buClr>
+        <a:buFont typeface="Calibri" pitchFamily="34" charset="0"/>
+        <a:buChar char="◦"/>
+        <a:defRPr sz="1800" kern="1200">
           <a:solidFill>
-            <a:schemeClr val="tx1"/>
+            <a:schemeClr val="tx1">
+              <a:lumMod val="75000"/>
+              <a:lumOff val="25000"/>
+            </a:schemeClr>
           </a:solidFill>
           <a:latin typeface="+mn-lt"/>
           <a:ea typeface="+mn-ea"/>
           <a:cs typeface="+mn-cs"/>
         </a:defRPr>
       </a:lvl2pPr>
-      <a:lvl3pPr marL="1143000" indent="-228600" algn="l" defTabSz="914400" rtl="0" eaLnBrk="1" latinLnBrk="0" hangingPunct="1">
+      <a:lvl3pPr marL="566928" indent="-182880" algn="l" defTabSz="914400" rtl="0" eaLnBrk="1" latinLnBrk="0" hangingPunct="1">
         <a:lnSpc>
           <a:spcPct val="90000"/>
         </a:lnSpc>
         <a:spcBef>
-          <a:spcPts val="500"/>
+          <a:spcPts val="200"/>
         </a:spcBef>
-        <a:buFont typeface="Arial" panose="020B0604020202020204" pitchFamily="34" charset="0"/>
-        <a:buChar char="•"/>
-        <a:defRPr sz="2000" kern="1200">
+        <a:spcAft>
+          <a:spcPts val="400"/>
+        </a:spcAft>
+        <a:buClr>
+          <a:schemeClr val="accent1"/>
+        </a:buClr>
+        <a:buFont typeface="Calibri" pitchFamily="34" charset="0"/>
+        <a:buChar char="◦"/>
+        <a:defRPr sz="1400" kern="1200">
           <a:solidFill>
-            <a:schemeClr val="tx1"/>
+            <a:schemeClr val="tx1">
+              <a:lumMod val="75000"/>
+              <a:lumOff val="25000"/>
+            </a:schemeClr>
           </a:solidFill>
           <a:latin typeface="+mn-lt"/>
           <a:ea typeface="+mn-ea"/>
           <a:cs typeface="+mn-cs"/>
         </a:defRPr>
       </a:lvl3pPr>
-      <a:lvl4pPr marL="1600200" indent="-228600" algn="l" defTabSz="914400" rtl="0" eaLnBrk="1" latinLnBrk="0" hangingPunct="1">
+      <a:lvl4pPr marL="749808" indent="-182880" algn="l" defTabSz="914400" rtl="0" eaLnBrk="1" latinLnBrk="0" hangingPunct="1">
         <a:lnSpc>
           <a:spcPct val="90000"/>
         </a:lnSpc>
         <a:spcBef>
-          <a:spcPts val="500"/>
+          <a:spcPts val="200"/>
         </a:spcBef>
-        <a:buFont typeface="Arial" panose="020B0604020202020204" pitchFamily="34" charset="0"/>
-        <a:buChar char="•"/>
-        <a:defRPr sz="1800" kern="1200">
+        <a:spcAft>
+          <a:spcPts val="400"/>
+        </a:spcAft>
+        <a:buClr>
+          <a:schemeClr val="accent1"/>
+        </a:buClr>
+        <a:buFont typeface="Calibri" pitchFamily="34" charset="0"/>
+        <a:buChar char="◦"/>
+        <a:defRPr sz="1400" kern="1200">
           <a:solidFill>
-            <a:schemeClr val="tx1"/>
+            <a:schemeClr val="tx1">
+              <a:lumMod val="75000"/>
+              <a:lumOff val="25000"/>
+            </a:schemeClr>
           </a:solidFill>
           <a:latin typeface="+mn-lt"/>
           <a:ea typeface="+mn-ea"/>
           <a:cs typeface="+mn-cs"/>
         </a:defRPr>
       </a:lvl4pPr>
-      <a:lvl5pPr marL="2057400" indent="-228600" algn="l" defTabSz="914400" rtl="0" eaLnBrk="1" latinLnBrk="0" hangingPunct="1">
+      <a:lvl5pPr marL="932688" indent="-182880" algn="l" defTabSz="914400" rtl="0" eaLnBrk="1" latinLnBrk="0" hangingPunct="1">
         <a:lnSpc>
           <a:spcPct val="90000"/>
         </a:lnSpc>
         <a:spcBef>
-          <a:spcPts val="500"/>
+          <a:spcPts val="200"/>
         </a:spcBef>
-        <a:buFont typeface="Arial" panose="020B0604020202020204" pitchFamily="34" charset="0"/>
-        <a:buChar char="•"/>
-        <a:defRPr sz="1800" kern="1200">
+        <a:spcAft>
+          <a:spcPts val="400"/>
+        </a:spcAft>
+        <a:buClr>
+          <a:schemeClr val="accent1"/>
+        </a:buClr>
+        <a:buFont typeface="Calibri" pitchFamily="34" charset="0"/>
+        <a:buChar char="◦"/>
+        <a:defRPr sz="1400" kern="1200">
           <a:solidFill>
-            <a:schemeClr val="tx1"/>
+            <a:schemeClr val="tx1">
+              <a:lumMod val="75000"/>
+              <a:lumOff val="25000"/>
+            </a:schemeClr>
           </a:solidFill>
           <a:latin typeface="+mn-lt"/>
           <a:ea typeface="+mn-ea"/>
           <a:cs typeface="+mn-cs"/>
         </a:defRPr>
       </a:lvl5pPr>
-      <a:lvl6pPr marL="2514600" indent="-228600" algn="l" defTabSz="914400" rtl="0" eaLnBrk="1" latinLnBrk="0" hangingPunct="1">
+      <a:lvl6pPr marL="1100000" indent="-228600" algn="l" defTabSz="914400" rtl="0" eaLnBrk="1" latinLnBrk="0" hangingPunct="1">
         <a:lnSpc>
           <a:spcPct val="90000"/>
         </a:lnSpc>
         <a:spcBef>
-          <a:spcPts val="500"/>
+          <a:spcPts val="200"/>
         </a:spcBef>
-        <a:buFont typeface="Arial" panose="020B0604020202020204" pitchFamily="34" charset="0"/>
-        <a:buChar char="•"/>
-        <a:defRPr sz="1800" kern="1200">
+        <a:spcAft>
+          <a:spcPts val="400"/>
+        </a:spcAft>
+        <a:buClr>
+          <a:schemeClr val="accent1"/>
+        </a:buClr>
+        <a:buFont typeface="Calibri" pitchFamily="34" charset="0"/>
+        <a:buChar char="◦"/>
+        <a:defRPr sz="1400" kern="1200">
           <a:solidFill>
-            <a:schemeClr val="tx1"/>
+            <a:schemeClr val="tx1">
+              <a:lumMod val="75000"/>
+              <a:lumOff val="25000"/>
+            </a:schemeClr>
           </a:solidFill>
           <a:latin typeface="+mn-lt"/>
           <a:ea typeface="+mn-ea"/>
           <a:cs typeface="+mn-cs"/>
         </a:defRPr>
       </a:lvl6pPr>
-      <a:lvl7pPr marL="2971800" indent="-228600" algn="l" defTabSz="914400" rtl="0" eaLnBrk="1" latinLnBrk="0" hangingPunct="1">
+      <a:lvl7pPr marL="1300000" indent="-228600" algn="l" defTabSz="914400" rtl="0" eaLnBrk="1" latinLnBrk="0" hangingPunct="1">
         <a:lnSpc>
           <a:spcPct val="90000"/>
         </a:lnSpc>
         <a:spcBef>
-          <a:spcPts val="500"/>
+          <a:spcPts val="200"/>
         </a:spcBef>
-        <a:buFont typeface="Arial" panose="020B0604020202020204" pitchFamily="34" charset="0"/>
-        <a:buChar char="•"/>
-        <a:defRPr sz="1800" kern="1200">
+        <a:spcAft>
+          <a:spcPts val="400"/>
+        </a:spcAft>
+        <a:buClr>
+          <a:schemeClr val="accent1"/>
+        </a:buClr>
+        <a:buFont typeface="Calibri" pitchFamily="34" charset="0"/>
+        <a:buChar char="◦"/>
+        <a:defRPr sz="1400" kern="1200">
           <a:solidFill>
-            <a:schemeClr val="tx1"/>
+            <a:schemeClr val="tx1">
+              <a:lumMod val="75000"/>
+              <a:lumOff val="25000"/>
+            </a:schemeClr>
           </a:solidFill>
           <a:latin typeface="+mn-lt"/>
           <a:ea typeface="+mn-ea"/>
           <a:cs typeface="+mn-cs"/>
         </a:defRPr>
       </a:lvl7pPr>
-      <a:lvl8pPr marL="3429000" indent="-228600" algn="l" defTabSz="914400" rtl="0" eaLnBrk="1" latinLnBrk="0" hangingPunct="1">
+      <a:lvl8pPr marL="1500000" indent="-228600" algn="l" defTabSz="914400" rtl="0" eaLnBrk="1" latinLnBrk="0" hangingPunct="1">
         <a:lnSpc>
           <a:spcPct val="90000"/>
         </a:lnSpc>
         <a:spcBef>
-          <a:spcPts val="500"/>
+          <a:spcPts val="200"/>
         </a:spcBef>
-        <a:buFont typeface="Arial" panose="020B0604020202020204" pitchFamily="34" charset="0"/>
-        <a:buChar char="•"/>
-        <a:defRPr sz="1800" kern="1200">
+        <a:spcAft>
+          <a:spcPts val="400"/>
+        </a:spcAft>
+        <a:buClr>
+          <a:schemeClr val="accent1"/>
+        </a:buClr>
+        <a:buFont typeface="Calibri" pitchFamily="34" charset="0"/>
+        <a:buChar char="◦"/>
+        <a:defRPr sz="1400" kern="1200">
           <a:solidFill>
-            <a:schemeClr val="tx1"/>
+            <a:schemeClr val="tx1">
+              <a:lumMod val="75000"/>
+              <a:lumOff val="25000"/>
+            </a:schemeClr>
           </a:solidFill>
           <a:latin typeface="+mn-lt"/>
           <a:ea typeface="+mn-ea"/>
           <a:cs typeface="+mn-cs"/>
         </a:defRPr>
       </a:lvl8pPr>
-      <a:lvl9pPr marL="3886200" indent="-228600" algn="l" defTabSz="914400" rtl="0" eaLnBrk="1" latinLnBrk="0" hangingPunct="1">
+      <a:lvl9pPr marL="1700000" indent="-228600" algn="l" defTabSz="914400" rtl="0" eaLnBrk="1" latinLnBrk="0" hangingPunct="1">
         <a:lnSpc>
           <a:spcPct val="90000"/>
         </a:lnSpc>
         <a:spcBef>
-          <a:spcPts val="500"/>
+          <a:spcPts val="200"/>
         </a:spcBef>
-        <a:buFont typeface="Arial" panose="020B0604020202020204" pitchFamily="34" charset="0"/>
-        <a:buChar char="•"/>
-        <a:defRPr sz="1800" kern="1200">
+        <a:spcAft>
+          <a:spcPts val="400"/>
+        </a:spcAft>
+        <a:buClr>
+          <a:schemeClr val="accent1"/>
+        </a:buClr>
+        <a:buFont typeface="Calibri" pitchFamily="34" charset="0"/>
+        <a:buChar char="◦"/>
+        <a:defRPr sz="1400" kern="1200">
           <a:solidFill>
-            <a:schemeClr val="tx1"/>
+            <a:schemeClr val="tx1">
+              <a:lumMod val="75000"/>
+              <a:lumOff val="25000"/>
+            </a:schemeClr>
           </a:solidFill>
           <a:latin typeface="+mn-lt"/>
           <a:ea typeface="+mn-ea"/>
@@ -2963,6 +3800,11 @@
       </a:lvl9pPr>
     </p:otherStyle>
   </p:txStyles>
+  <p:extLst>
+    <p:ext uri="{27BBF7A9-308A-43DC-89C8-2F10F3537804}">
+      <p15:sldGuideLst xmlns:p15="http://schemas.microsoft.com/office/powerpoint/2012/main"/>
+    </p:ext>
+  </p:extLst>
 </p:sldMaster>
 </file>
 
@@ -3020,7 +3862,7 @@
         <p:spPr/>
         <p:txBody>
           <a:bodyPr>
-            <a:normAutofit lnSpcReduction="10000"/>
+            <a:normAutofit/>
           </a:bodyPr>
           <a:lstStyle/>
           <a:p>
@@ -3077,23 +3919,22 @@
         <p:spPr/>
         <p:txBody>
           <a:bodyPr>
-            <a:normAutofit lnSpcReduction="10000"/>
+            <a:normAutofit/>
           </a:bodyPr>
           <a:lstStyle/>
           <a:p>
             <a:r>
-              <a:rPr lang="en-US" dirty="0" err="1" smtClean="0"/>
-              <a:t>Shoppingcart</a:t>
+              <a:rPr lang="en-US" dirty="0" smtClean="0"/>
+              <a:t>Shopping cart</a:t>
             </a:r>
             <a:endParaRPr lang="en-US" dirty="0"/>
           </a:p>
           <a:p>
             <a:pPr lvl="1"/>
             <a:r>
-              <a:rPr lang="en-US" dirty="0" err="1" smtClean="0"/>
-              <a:t>Javascript</a:t>
-            </a:r>
-            <a:endParaRPr lang="en-US" dirty="0" smtClean="0"/>
+              <a:rPr lang="en-US" dirty="0" smtClean="0"/>
+              <a:t>Django</a:t>
+            </a:r>
           </a:p>
           <a:p>
             <a:r>
@@ -3130,6 +3971,13 @@
             </a:r>
           </a:p>
           <a:p>
+            <a:pPr lvl="1"/>
+            <a:r>
+              <a:rPr lang="en-US" dirty="0" smtClean="0"/>
+              <a:t>Django</a:t>
+            </a:r>
+          </a:p>
+          <a:p>
             <a:r>
               <a:rPr lang="en-US" dirty="0" smtClean="0"/>
               <a:t>UI</a:t>
@@ -3139,15 +3987,12 @@
             <a:pPr lvl="1"/>
             <a:r>
               <a:rPr lang="en-US" dirty="0" smtClean="0"/>
-              <a:t>CSS</a:t>
+              <a:t>Bootstrap</a:t>
             </a:r>
           </a:p>
           <a:p>
             <a:pPr lvl="1"/>
-            <a:r>
-              <a:rPr lang="en-US" dirty="0" smtClean="0"/>
-              <a:t>Html</a:t>
-            </a:r>
+            <a:endParaRPr lang="en-US" dirty="0" smtClean="0"/>
           </a:p>
         </p:txBody>
       </p:sp>
@@ -3228,7 +4073,7 @@
         </p:blipFill>
         <p:spPr>
           <a:xfrm>
-            <a:off x="1220244" y="1690689"/>
+            <a:off x="1312485" y="1778925"/>
             <a:ext cx="9627989" cy="3078260"/>
           </a:xfrm>
           <a:prstGeom prst="rect">
@@ -3313,7 +4158,7 @@
         </p:blipFill>
         <p:spPr>
           <a:xfrm>
-            <a:off x="1499537" y="1690688"/>
+            <a:off x="1499537" y="1773818"/>
             <a:ext cx="9192926" cy="3458087"/>
           </a:xfrm>
           <a:prstGeom prst="rect">
@@ -3398,7 +4243,7 @@
         </p:blipFill>
         <p:spPr>
           <a:xfrm>
-            <a:off x="1433486" y="1690688"/>
+            <a:off x="1433486" y="1773818"/>
             <a:ext cx="9325028" cy="2951650"/>
           </a:xfrm>
           <a:prstGeom prst="rect">
@@ -3483,7 +4328,7 @@
         </p:blipFill>
         <p:spPr>
           <a:xfrm>
-            <a:off x="1520302" y="1690688"/>
+            <a:off x="1520302" y="1773818"/>
             <a:ext cx="9151395" cy="3021989"/>
           </a:xfrm>
           <a:prstGeom prst="rect">
@@ -3568,7 +4413,7 @@
         </p:blipFill>
         <p:spPr>
           <a:xfrm>
-            <a:off x="1516968" y="1690687"/>
+            <a:off x="1516968" y="1773817"/>
             <a:ext cx="9068199" cy="2839109"/>
           </a:xfrm>
           <a:prstGeom prst="rect">
@@ -3653,7 +4498,7 @@
         </p:blipFill>
         <p:spPr>
           <a:xfrm>
-            <a:off x="1629210" y="1690688"/>
+            <a:off x="1629210" y="1773818"/>
             <a:ext cx="8933579" cy="3444020"/>
           </a:xfrm>
           <a:prstGeom prst="rect">
@@ -3738,7 +4583,7 @@
         </p:blipFill>
         <p:spPr>
           <a:xfrm>
-            <a:off x="1613237" y="1690688"/>
+            <a:off x="1613237" y="1773818"/>
             <a:ext cx="8965525" cy="3598764"/>
           </a:xfrm>
           <a:prstGeom prst="rect">
@@ -3823,7 +4668,7 @@
         </p:blipFill>
         <p:spPr>
           <a:xfrm>
-            <a:off x="1364565" y="1690688"/>
+            <a:off x="1364565" y="1773818"/>
             <a:ext cx="9691633" cy="3075990"/>
           </a:xfrm>
           <a:prstGeom prst="rect">
@@ -3868,30 +4713,6 @@
           <a:chExt cx="0" cy="0"/>
         </a:xfrm>
       </p:grpSpPr>
-      <p:sp>
-        <p:nvSpPr>
-          <p:cNvPr id="2" name="Title 1"/>
-          <p:cNvSpPr>
-            <a:spLocks noGrp="1"/>
-          </p:cNvSpPr>
-          <p:nvPr>
-            <p:ph type="title"/>
-          </p:nvPr>
-        </p:nvSpPr>
-        <p:spPr/>
-        <p:txBody>
-          <a:bodyPr/>
-          <a:lstStyle/>
-          <a:p>
-            <a:pPr algn="ctr"/>
-            <a:r>
-              <a:rPr lang="en-US" dirty="0" smtClean="0"/>
-              <a:t>Tasks</a:t>
-            </a:r>
-            <a:endParaRPr lang="en-US" dirty="0"/>
-          </a:p>
-        </p:txBody>
-      </p:sp>
       <p:pic>
         <p:nvPicPr>
           <p:cNvPr id="4" name="Picture 3"/>
@@ -3908,7 +4729,7 @@
         </p:blipFill>
         <p:spPr>
           <a:xfrm>
-            <a:off x="1520767" y="1690688"/>
+            <a:off x="1551247" y="1778925"/>
             <a:ext cx="9150465" cy="3640967"/>
           </a:xfrm>
           <a:prstGeom prst="rect">
@@ -3916,6 +4737,30 @@
           </a:prstGeom>
         </p:spPr>
       </p:pic>
+      <p:sp>
+        <p:nvSpPr>
+          <p:cNvPr id="2" name="Title 1"/>
+          <p:cNvSpPr>
+            <a:spLocks noGrp="1"/>
+          </p:cNvSpPr>
+          <p:nvPr>
+            <p:ph type="title"/>
+          </p:nvPr>
+        </p:nvSpPr>
+        <p:spPr/>
+        <p:txBody>
+          <a:bodyPr/>
+          <a:lstStyle/>
+          <a:p>
+            <a:pPr algn="ctr"/>
+            <a:r>
+              <a:rPr lang="en-US" dirty="0" smtClean="0"/>
+              <a:t>Tasks</a:t>
+            </a:r>
+            <a:endParaRPr lang="en-US" dirty="0"/>
+          </a:p>
+        </p:txBody>
+      </p:sp>
     </p:spTree>
     <p:extLst>
       <p:ext uri="{BB962C8B-B14F-4D97-AF65-F5344CB8AC3E}">
@@ -3979,28 +4824,22 @@
       </p:sp>
       <p:pic>
         <p:nvPicPr>
-          <p:cNvPr id="4" name="Picture 3"/>
+          <p:cNvPr id="5" name="Picture 4"/>
           <p:cNvPicPr>
             <a:picLocks noChangeAspect="1"/>
           </p:cNvPicPr>
           <p:nvPr/>
         </p:nvPicPr>
         <p:blipFill>
-          <a:blip r:embed="rId2">
-            <a:extLst>
-              <a:ext uri="{28A0092B-C50C-407E-A947-70E740481C1C}">
-                <a14:useLocalDpi xmlns:a14="http://schemas.microsoft.com/office/drawing/2010/main" val="0"/>
-              </a:ext>
-            </a:extLst>
-          </a:blip>
+          <a:blip r:embed="rId2"/>
           <a:stretch>
             <a:fillRect/>
           </a:stretch>
         </p:blipFill>
         <p:spPr>
           <a:xfrm>
-            <a:off x="1157533" y="1690688"/>
-            <a:ext cx="9876933" cy="3860878"/>
+            <a:off x="1369571" y="1814634"/>
+            <a:ext cx="9513817" cy="3723281"/>
           </a:xfrm>
           <a:prstGeom prst="rect">
             <a:avLst/>
@@ -4084,7 +4923,7 @@
         </p:blipFill>
         <p:spPr>
           <a:xfrm>
-            <a:off x="1886243" y="1690688"/>
+            <a:off x="1886243" y="1773818"/>
             <a:ext cx="4057357" cy="4381500"/>
           </a:xfrm>
           <a:prstGeom prst="rect">
@@ -4108,7 +4947,7 @@
         </p:blipFill>
         <p:spPr>
           <a:xfrm>
-            <a:off x="6813590" y="1690688"/>
+            <a:off x="6813590" y="1787672"/>
             <a:ext cx="3670219" cy="4381500"/>
           </a:xfrm>
           <a:prstGeom prst="rect">
@@ -4194,8 +5033,47 @@
           <a:p>
             <a:r>
               <a:rPr lang="en-US" dirty="0" smtClean="0"/>
+              <a:t>Loss of team members</a:t>
+            </a:r>
+          </a:p>
+          <a:p>
+            <a:pPr lvl="1"/>
+            <a:r>
+              <a:rPr lang="en-US" dirty="0" smtClean="0"/>
+              <a:t>Low</a:t>
+            </a:r>
+          </a:p>
+          <a:p>
+            <a:r>
+              <a:rPr lang="en-US" dirty="0" smtClean="0"/>
               <a:t>Unable to mine data</a:t>
             </a:r>
+          </a:p>
+          <a:p>
+            <a:pPr lvl="1"/>
+            <a:r>
+              <a:rPr lang="en-US" dirty="0" smtClean="0"/>
+              <a:t>High</a:t>
+            </a:r>
+          </a:p>
+          <a:p>
+            <a:r>
+              <a:rPr lang="en-US" dirty="0" smtClean="0"/>
+              <a:t>Planned system is too large</a:t>
+            </a:r>
+          </a:p>
+          <a:p>
+            <a:pPr lvl="1"/>
+            <a:r>
+              <a:rPr lang="en-US" dirty="0" smtClean="0"/>
+              <a:t>Medium</a:t>
+            </a:r>
+          </a:p>
+          <a:p>
+            <a:endParaRPr lang="en-US" dirty="0" smtClean="0"/>
+          </a:p>
+          <a:p>
+            <a:pPr lvl="1"/>
             <a:endParaRPr lang="en-US" dirty="0"/>
           </a:p>
         </p:txBody>
@@ -4215,6 +5093,30 @@
           <a:bodyPr/>
           <a:lstStyle/>
           <a:p>
+            <a:r>
+              <a:rPr lang="en-US" dirty="0" smtClean="0"/>
+              <a:t>Loss of time</a:t>
+            </a:r>
+          </a:p>
+          <a:p>
+            <a:pPr lvl="1"/>
+            <a:r>
+              <a:rPr lang="en-US" dirty="0" smtClean="0"/>
+              <a:t>Medium</a:t>
+            </a:r>
+          </a:p>
+          <a:p>
+            <a:r>
+              <a:rPr lang="en-US" dirty="0" smtClean="0"/>
+              <a:t>Software has low quality</a:t>
+            </a:r>
+          </a:p>
+          <a:p>
+            <a:pPr lvl="1"/>
+            <a:r>
+              <a:rPr lang="en-US" dirty="0" smtClean="0"/>
+              <a:t>Low</a:t>
+            </a:r>
             <a:endParaRPr lang="en-US" dirty="0"/>
           </a:p>
         </p:txBody>
@@ -4239,6 +5141,84 @@
 </p:sld>
 </file>
 
+<file path=ppt/slides/slide21.xml><?xml version="1.0" encoding="utf-8"?>
+<p:sld xmlns:a="http://schemas.openxmlformats.org/drawingml/2006/main" xmlns:r="http://schemas.openxmlformats.org/officeDocument/2006/relationships" xmlns:p="http://schemas.openxmlformats.org/presentationml/2006/main">
+  <p:cSld>
+    <p:spTree>
+      <p:nvGrpSpPr>
+        <p:cNvPr id="1" name=""/>
+        <p:cNvGrpSpPr/>
+        <p:nvPr/>
+      </p:nvGrpSpPr>
+      <p:grpSpPr>
+        <a:xfrm>
+          <a:off x="0" y="0"/>
+          <a:ext cx="0" cy="0"/>
+          <a:chOff x="0" y="0"/>
+          <a:chExt cx="0" cy="0"/>
+        </a:xfrm>
+      </p:grpSpPr>
+      <p:sp>
+        <p:nvSpPr>
+          <p:cNvPr id="2" name="Title 1"/>
+          <p:cNvSpPr>
+            <a:spLocks noGrp="1"/>
+          </p:cNvSpPr>
+          <p:nvPr>
+            <p:ph type="title"/>
+          </p:nvPr>
+        </p:nvSpPr>
+        <p:spPr/>
+        <p:txBody>
+          <a:bodyPr/>
+          <a:lstStyle/>
+          <a:p>
+            <a:pPr algn="ctr"/>
+            <a:r>
+              <a:rPr lang="en-US" dirty="0" smtClean="0"/>
+              <a:t>Burndown</a:t>
+            </a:r>
+            <a:endParaRPr lang="en-US" dirty="0"/>
+          </a:p>
+        </p:txBody>
+      </p:sp>
+      <p:pic>
+        <p:nvPicPr>
+          <p:cNvPr id="4" name="Picture 3"/>
+          <p:cNvPicPr>
+            <a:picLocks noChangeAspect="1"/>
+          </p:cNvPicPr>
+          <p:nvPr/>
+        </p:nvPicPr>
+        <p:blipFill>
+          <a:blip r:embed="rId2"/>
+          <a:stretch>
+            <a:fillRect/>
+          </a:stretch>
+        </p:blipFill>
+        <p:spPr>
+          <a:xfrm>
+            <a:off x="2213449" y="1801755"/>
+            <a:ext cx="7826062" cy="3554037"/>
+          </a:xfrm>
+          <a:prstGeom prst="rect">
+            <a:avLst/>
+          </a:prstGeom>
+        </p:spPr>
+      </p:pic>
+    </p:spTree>
+    <p:extLst>
+      <p:ext uri="{BB962C8B-B14F-4D97-AF65-F5344CB8AC3E}">
+        <p14:creationId xmlns:p14="http://schemas.microsoft.com/office/powerpoint/2010/main" val="1406526525"/>
+      </p:ext>
+    </p:extLst>
+  </p:cSld>
+  <p:clrMapOvr>
+    <a:masterClrMapping/>
+  </p:clrMapOvr>
+</p:sld>
+</file>
+
 <file path=ppt/slides/slide3.xml><?xml version="1.0" encoding="utf-8"?>
 <p:sld xmlns:a="http://schemas.openxmlformats.org/drawingml/2006/main" xmlns:r="http://schemas.openxmlformats.org/officeDocument/2006/relationships" xmlns:p="http://schemas.openxmlformats.org/presentationml/2006/main">
   <p:cSld>
@@ -4296,7 +5276,7 @@
         </p:blipFill>
         <p:spPr>
           <a:xfrm>
-            <a:off x="1237957" y="1690688"/>
+            <a:off x="1237957" y="1773818"/>
             <a:ext cx="4051495" cy="4381500"/>
           </a:xfrm>
           <a:prstGeom prst="rect">
@@ -4320,7 +5300,7 @@
         </p:blipFill>
         <p:spPr>
           <a:xfrm>
-            <a:off x="6638119" y="1690688"/>
+            <a:off x="6638119" y="1773818"/>
             <a:ext cx="3367014" cy="3415884"/>
           </a:xfrm>
           <a:prstGeom prst="rect">
@@ -4405,8 +5385,8 @@
         </p:blipFill>
         <p:spPr>
           <a:xfrm>
-            <a:off x="1313915" y="1690688"/>
-            <a:ext cx="9564170" cy="3922321"/>
+            <a:off x="1276296" y="1814634"/>
+            <a:ext cx="9700367" cy="3305142"/>
           </a:xfrm>
           <a:prstGeom prst="rect">
             <a:avLst/>
@@ -4416,7 +5396,7 @@
     </p:spTree>
     <p:extLst>
       <p:ext uri="{BB962C8B-B14F-4D97-AF65-F5344CB8AC3E}">
-        <p14:creationId xmlns:p14="http://schemas.microsoft.com/office/powerpoint/2010/main" val="3426365436"/>
+        <p14:creationId xmlns:p14="http://schemas.microsoft.com/office/powerpoint/2010/main" val="1560806541"/>
       </p:ext>
     </p:extLst>
   </p:cSld>
@@ -4476,7 +5456,7 @@
       </p:sp>
       <p:pic>
         <p:nvPicPr>
-          <p:cNvPr id="4" name="Picture 3"/>
+          <p:cNvPr id="3" name="Picture 2"/>
           <p:cNvPicPr>
             <a:picLocks noChangeAspect="1"/>
           </p:cNvPicPr>
@@ -4490,8 +5470,8 @@
         </p:blipFill>
         <p:spPr>
           <a:xfrm>
-            <a:off x="1147782" y="1690687"/>
-            <a:ext cx="9620024" cy="2937583"/>
+            <a:off x="1391584" y="1827512"/>
+            <a:ext cx="9194060" cy="3864950"/>
           </a:xfrm>
           <a:prstGeom prst="rect">
             <a:avLst/>
@@ -4501,7 +5481,7 @@
     </p:spTree>
     <p:extLst>
       <p:ext uri="{BB962C8B-B14F-4D97-AF65-F5344CB8AC3E}">
-        <p14:creationId xmlns:p14="http://schemas.microsoft.com/office/powerpoint/2010/main" val="846775415"/>
+        <p14:creationId xmlns:p14="http://schemas.microsoft.com/office/powerpoint/2010/main" val="3426365436"/>
       </p:ext>
     </p:extLst>
   </p:cSld>
@@ -4575,8 +5555,8 @@
         </p:blipFill>
         <p:spPr>
           <a:xfrm>
-            <a:off x="1310389" y="1690688"/>
-            <a:ext cx="9571222" cy="3261140"/>
+            <a:off x="1359408" y="1801755"/>
+            <a:ext cx="9534144" cy="3259631"/>
           </a:xfrm>
           <a:prstGeom prst="rect">
             <a:avLst/>
@@ -4586,7 +5566,7 @@
     </p:spTree>
     <p:extLst>
       <p:ext uri="{BB962C8B-B14F-4D97-AF65-F5344CB8AC3E}">
-        <p14:creationId xmlns:p14="http://schemas.microsoft.com/office/powerpoint/2010/main" val="1560806541"/>
+        <p14:creationId xmlns:p14="http://schemas.microsoft.com/office/powerpoint/2010/main" val="3683670105"/>
       </p:ext>
     </p:extLst>
   </p:cSld>
@@ -4646,7 +5626,7 @@
       </p:sp>
       <p:pic>
         <p:nvPicPr>
-          <p:cNvPr id="4" name="Picture 3"/>
+          <p:cNvPr id="3" name="Picture 2"/>
           <p:cNvPicPr>
             <a:picLocks noChangeAspect="1"/>
           </p:cNvPicPr>
@@ -4660,8 +5640,8 @@
         </p:blipFill>
         <p:spPr>
           <a:xfrm>
-            <a:off x="1287051" y="1690688"/>
-            <a:ext cx="9617897" cy="3303343"/>
+            <a:off x="1434014" y="1814634"/>
+            <a:ext cx="9384932" cy="3230519"/>
           </a:xfrm>
           <a:prstGeom prst="rect">
             <a:avLst/>
@@ -4671,7 +5651,7 @@
     </p:spTree>
     <p:extLst>
       <p:ext uri="{BB962C8B-B14F-4D97-AF65-F5344CB8AC3E}">
-        <p14:creationId xmlns:p14="http://schemas.microsoft.com/office/powerpoint/2010/main" val="3683670105"/>
+        <p14:creationId xmlns:p14="http://schemas.microsoft.com/office/powerpoint/2010/main" val="846775415"/>
       </p:ext>
     </p:extLst>
   </p:cSld>
@@ -4745,7 +5725,7 @@
         </p:blipFill>
         <p:spPr>
           <a:xfrm>
-            <a:off x="1325232" y="1690688"/>
+            <a:off x="1485243" y="1801525"/>
             <a:ext cx="9282474" cy="3528426"/>
           </a:xfrm>
           <a:prstGeom prst="rect">
@@ -4830,7 +5810,7 @@
         </p:blipFill>
         <p:spPr>
           <a:xfrm>
-            <a:off x="1492204" y="1690688"/>
+            <a:off x="1522684" y="1765070"/>
             <a:ext cx="9207592" cy="3715344"/>
           </a:xfrm>
           <a:prstGeom prst="rect">
@@ -4859,9 +5839,9 @@
 </file>
 
 <file path=ppt/theme/theme1.xml><?xml version="1.0" encoding="utf-8"?>
-<a:theme xmlns:a="http://schemas.openxmlformats.org/drawingml/2006/main" name="Office Theme">
+<a:theme xmlns:a="http://schemas.openxmlformats.org/drawingml/2006/main" name="Retrospect">
   <a:themeElements>
-    <a:clrScheme name="Office">
+    <a:clrScheme name="Retrospect">
       <a:dk1>
         <a:sysClr val="windowText" lastClr="000000"/>
       </a:dk1>
@@ -4869,37 +5849,37 @@
         <a:sysClr val="window" lastClr="FFFFFF"/>
       </a:lt1>
       <a:dk2>
-        <a:srgbClr val="44546A"/>
+        <a:srgbClr val="344068"/>
       </a:dk2>
       <a:lt2>
-        <a:srgbClr val="E7E6E6"/>
+        <a:srgbClr val="D9E0E6"/>
       </a:lt2>
       <a:accent1>
-        <a:srgbClr val="5B9BD5"/>
+        <a:srgbClr val="1CADE4"/>
       </a:accent1>
       <a:accent2>
-        <a:srgbClr val="ED7D31"/>
+        <a:srgbClr val="2683C6"/>
       </a:accent2>
       <a:accent3>
-        <a:srgbClr val="A5A5A5"/>
+        <a:srgbClr val="28C4CC"/>
       </a:accent3>
       <a:accent4>
-        <a:srgbClr val="FFC000"/>
+        <a:srgbClr val="42BA97"/>
       </a:accent4>
       <a:accent5>
-        <a:srgbClr val="4472C4"/>
+        <a:srgbClr val="3E8853"/>
       </a:accent5>
       <a:accent6>
-        <a:srgbClr val="70AD47"/>
+        <a:srgbClr val="62A39F"/>
       </a:accent6>
       <a:hlink>
-        <a:srgbClr val="0563C1"/>
+        <a:srgbClr val="6EAC1C"/>
       </a:hlink>
       <a:folHlink>
-        <a:srgbClr val="954F72"/>
+        <a:srgbClr val="B26B02"/>
       </a:folHlink>
     </a:clrScheme>
-    <a:fontScheme name="Office">
+    <a:fontScheme name="Retrospect">
       <a:majorFont>
         <a:latin typeface="Calibri Light" panose="020F0302020204030204"/>
         <a:ea typeface=""/>
@@ -4971,7 +5951,7 @@
         <a:font script="Geor" typeface="Sylfaen"/>
       </a:minorFont>
     </a:fontScheme>
-    <a:fmtScheme name="Office">
+    <a:fmtScheme name="Retrospect">
       <a:fillStyleLst>
         <a:solidFill>
           <a:schemeClr val="phClr"/>
@@ -4980,76 +5960,81 @@
           <a:gsLst>
             <a:gs pos="0">
               <a:schemeClr val="phClr">
-                <a:lumMod val="110000"/>
-                <a:satMod val="105000"/>
-                <a:tint val="67000"/>
+                <a:tint val="65000"/>
+                <a:shade val="92000"/>
+                <a:satMod val="130000"/>
               </a:schemeClr>
             </a:gs>
-            <a:gs pos="50000">
+            <a:gs pos="45000">
               <a:schemeClr val="phClr">
-                <a:lumMod val="105000"/>
-                <a:satMod val="103000"/>
-                <a:tint val="73000"/>
+                <a:tint val="60000"/>
+                <a:shade val="99000"/>
+                <a:satMod val="120000"/>
               </a:schemeClr>
             </a:gs>
             <a:gs pos="100000">
               <a:schemeClr val="phClr">
-                <a:lumMod val="105000"/>
-                <a:satMod val="109000"/>
-                <a:tint val="81000"/>
+                <a:tint val="55000"/>
+                <a:satMod val="140000"/>
               </a:schemeClr>
             </a:gs>
           </a:gsLst>
-          <a:lin ang="5400000" scaled="0"/>
+          <a:path path="circle">
+            <a:fillToRect l="100000" t="100000" r="100000" b="100000"/>
+          </a:path>
         </a:gradFill>
         <a:gradFill rotWithShape="1">
           <a:gsLst>
             <a:gs pos="0">
               <a:schemeClr val="phClr">
-                <a:satMod val="103000"/>
-                <a:lumMod val="102000"/>
-                <a:tint val="94000"/>
+                <a:shade val="85000"/>
+                <a:satMod val="130000"/>
               </a:schemeClr>
             </a:gs>
-            <a:gs pos="50000">
+            <a:gs pos="34000">
               <a:schemeClr val="phClr">
-                <a:satMod val="110000"/>
-                <a:lumMod val="100000"/>
-                <a:shade val="100000"/>
+                <a:shade val="87000"/>
+                <a:satMod val="125000"/>
+              </a:schemeClr>
+            </a:gs>
+            <a:gs pos="70000">
+              <a:schemeClr val="phClr">
+                <a:tint val="100000"/>
+                <a:shade val="90000"/>
+                <a:satMod val="130000"/>
               </a:schemeClr>
             </a:gs>
             <a:gs pos="100000">
               <a:schemeClr val="phClr">
-                <a:lumMod val="99000"/>
-                <a:satMod val="120000"/>
-                <a:shade val="78000"/>
+                <a:tint val="100000"/>
+                <a:shade val="100000"/>
+                <a:satMod val="110000"/>
               </a:schemeClr>
             </a:gs>
           </a:gsLst>
-          <a:lin ang="5400000" scaled="0"/>
+          <a:path path="circle">
+            <a:fillToRect l="100000" t="100000" r="100000" b="100000"/>
+          </a:path>
         </a:gradFill>
       </a:fillStyleLst>
       <a:lnStyleLst>
-        <a:ln w="6350" cap="flat" cmpd="sng" algn="ctr">
-          <a:solidFill>
-            <a:schemeClr val="phClr"/>
-          </a:solidFill>
-          <a:prstDash val="solid"/>
-          <a:miter lim="800000"/>
-        </a:ln>
         <a:ln w="12700" cap="flat" cmpd="sng" algn="ctr">
           <a:solidFill>
             <a:schemeClr val="phClr"/>
           </a:solidFill>
           <a:prstDash val="solid"/>
-          <a:miter lim="800000"/>
         </a:ln>
-        <a:ln w="19050" cap="flat" cmpd="sng" algn="ctr">
+        <a:ln w="15875" cap="flat" cmpd="sng" algn="ctr">
           <a:solidFill>
             <a:schemeClr val="phClr"/>
           </a:solidFill>
           <a:prstDash val="solid"/>
-          <a:miter lim="800000"/>
+        </a:ln>
+        <a:ln w="25400" cap="flat" cmpd="sng" algn="ctr">
+          <a:solidFill>
+            <a:schemeClr val="phClr"/>
+          </a:solidFill>
+          <a:prstDash val="solid"/>
         </a:ln>
       </a:lnStyleLst>
       <a:effectStyleLst>
@@ -5057,16 +6042,33 @@
           <a:effectLst/>
         </a:effectStyle>
         <a:effectStyle>
-          <a:effectLst/>
+          <a:effectLst>
+            <a:outerShdw blurRad="38100" dist="25400" dir="2700000" algn="br" rotWithShape="0">
+              <a:srgbClr val="000000">
+                <a:alpha val="60000"/>
+              </a:srgbClr>
+            </a:outerShdw>
+          </a:effectLst>
         </a:effectStyle>
         <a:effectStyle>
           <a:effectLst>
-            <a:outerShdw blurRad="57150" dist="19050" dir="5400000" algn="ctr" rotWithShape="0">
+            <a:outerShdw blurRad="44450" dist="25400" dir="2700000" algn="br" rotWithShape="0">
               <a:srgbClr val="000000">
-                <a:alpha val="63000"/>
+                <a:alpha val="60000"/>
               </a:srgbClr>
             </a:outerShdw>
           </a:effectLst>
+          <a:scene3d>
+            <a:camera prst="orthographicFront">
+              <a:rot lat="0" lon="0" rev="0"/>
+            </a:camera>
+            <a:lightRig rig="threePt" dir="t">
+              <a:rot lat="0" lon="0" rev="19800000"/>
+            </a:lightRig>
+          </a:scene3d>
+          <a:sp3d prstMaterial="flat">
+            <a:bevelT w="25400" h="31750"/>
+          </a:sp3d>
         </a:effectStyle>
       </a:effectStyleLst>
       <a:bgFillStyleLst>
@@ -5075,36 +6077,36 @@
         </a:solidFill>
         <a:solidFill>
           <a:schemeClr val="phClr">
-            <a:tint val="95000"/>
-            <a:satMod val="170000"/>
+            <a:tint val="90000"/>
+            <a:shade val="97000"/>
+            <a:satMod val="130000"/>
           </a:schemeClr>
         </a:solidFill>
         <a:gradFill rotWithShape="1">
           <a:gsLst>
             <a:gs pos="0">
               <a:schemeClr val="phClr">
-                <a:tint val="93000"/>
-                <a:satMod val="150000"/>
-                <a:shade val="98000"/>
-                <a:lumMod val="102000"/>
+                <a:tint val="96000"/>
+                <a:shade val="99000"/>
+                <a:satMod val="140000"/>
               </a:schemeClr>
             </a:gs>
-            <a:gs pos="50000">
+            <a:gs pos="65000">
               <a:schemeClr val="phClr">
-                <a:tint val="98000"/>
+                <a:tint val="100000"/>
+                <a:shade val="80000"/>
                 <a:satMod val="130000"/>
-                <a:shade val="90000"/>
-                <a:lumMod val="103000"/>
               </a:schemeClr>
             </a:gs>
             <a:gs pos="100000">
               <a:schemeClr val="phClr">
-                <a:shade val="63000"/>
+                <a:tint val="100000"/>
+                <a:shade val="48000"/>
                 <a:satMod val="120000"/>
               </a:schemeClr>
             </a:gs>
           </a:gsLst>
-          <a:lin ang="5400000" scaled="0"/>
+          <a:lin ang="16200000" scaled="0"/>
         </a:gradFill>
       </a:bgFillStyleLst>
     </a:fmtScheme>
@@ -5113,7 +6115,7 @@
   <a:extraClrSchemeLst/>
   <a:extLst>
     <a:ext uri="{05A4C25C-085E-4340-85A3-A5531E510DB2}">
-      <thm15:themeFamily xmlns:thm15="http://schemas.microsoft.com/office/thememl/2012/main" name="Office Theme" id="{62F939B6-93AF-4DB8-9C6B-D6C7DFDC589F}" vid="{4A3C46E8-61CC-4603-A589-7422A47A8E4A}"/>
+      <thm15:themeFamily xmlns:thm15="http://schemas.microsoft.com/office/thememl/2012/main" name="Retrospect" id="{5F128B03-DCCA-4EEB-AB3B-CF2899314A46}" vid="{9CC26709-368C-4D72-9060-94E5B3FF3CD6}"/>
     </a:ext>
   </a:extLst>
 </a:theme>
